--- a/project/03_화면설계/화면설계.pptx
+++ b/project/03_화면설계/화면설계.pptx
@@ -18,6 +18,7 @@
     <p:sldId id="270" r:id="rId12"/>
     <p:sldId id="272" r:id="rId13"/>
     <p:sldId id="263" r:id="rId14"/>
+    <p:sldId id="274" r:id="rId15"/>
   </p:sldIdLst>
   <p:sldSz cx="12192000" cy="6858000"/>
   <p:notesSz cx="6858000" cy="9144000"/>
@@ -4754,6 +4755,60 @@
           </a:p>
         </p:txBody>
       </p:sp>
+      <p:sp>
+        <p:nvSpPr>
+          <p:cNvPr id="17" name="TextBox 16">
+            <a:extLst>
+              <a:ext uri="{FF2B5EF4-FFF2-40B4-BE49-F238E27FC236}">
+                <a16:creationId xmlns:a16="http://schemas.microsoft.com/office/drawing/2014/main" id="{0846AD80-4629-42B5-9754-2FE4A3138DE3}"/>
+              </a:ext>
+            </a:extLst>
+          </p:cNvPr>
+          <p:cNvSpPr txBox="1"/>
+          <p:nvPr/>
+        </p:nvSpPr>
+        <p:spPr>
+          <a:xfrm>
+            <a:off x="7736235" y="572696"/>
+            <a:ext cx="1214141" cy="369332"/>
+          </a:xfrm>
+          <a:prstGeom prst="rect">
+            <a:avLst/>
+          </a:prstGeom>
+          <a:solidFill>
+            <a:schemeClr val="bg1"/>
+          </a:solidFill>
+          <a:ln>
+            <a:solidFill>
+              <a:srgbClr val="FF0000"/>
+            </a:solidFill>
+          </a:ln>
+        </p:spPr>
+        <p:txBody>
+          <a:bodyPr wrap="square" rtlCol="0">
+            <a:spAutoFit/>
+          </a:bodyPr>
+          <a:lstStyle/>
+          <a:p>
+            <a:r>
+              <a:rPr lang="ko-KR" altLang="en-US">
+                <a:solidFill>
+                  <a:srgbClr val="FF0000"/>
+                </a:solidFill>
+              </a:rPr>
+              <a:t>직원 </a:t>
+            </a:r>
+            <a:r>
+              <a:rPr lang="ko-KR" altLang="en-US" dirty="0">
+                <a:solidFill>
+                  <a:srgbClr val="FF0000"/>
+                </a:solidFill>
+              </a:rPr>
+              <a:t>화면</a:t>
+            </a:r>
+          </a:p>
+        </p:txBody>
+      </p:sp>
     </p:spTree>
     <p:extLst>
       <p:ext uri="{BB962C8B-B14F-4D97-AF65-F5344CB8AC3E}">
@@ -5248,6 +5303,60 @@
           </a:p>
         </p:txBody>
       </p:sp>
+      <p:sp>
+        <p:nvSpPr>
+          <p:cNvPr id="14" name="TextBox 13">
+            <a:extLst>
+              <a:ext uri="{FF2B5EF4-FFF2-40B4-BE49-F238E27FC236}">
+                <a16:creationId xmlns:a16="http://schemas.microsoft.com/office/drawing/2014/main" id="{DFB7E3FE-5116-4E66-B51E-0D74D72B4ED7}"/>
+              </a:ext>
+            </a:extLst>
+          </p:cNvPr>
+          <p:cNvSpPr txBox="1"/>
+          <p:nvPr/>
+        </p:nvSpPr>
+        <p:spPr>
+          <a:xfrm>
+            <a:off x="7736235" y="572696"/>
+            <a:ext cx="1214141" cy="369332"/>
+          </a:xfrm>
+          <a:prstGeom prst="rect">
+            <a:avLst/>
+          </a:prstGeom>
+          <a:solidFill>
+            <a:schemeClr val="bg1"/>
+          </a:solidFill>
+          <a:ln>
+            <a:solidFill>
+              <a:srgbClr val="FF0000"/>
+            </a:solidFill>
+          </a:ln>
+        </p:spPr>
+        <p:txBody>
+          <a:bodyPr wrap="square" rtlCol="0">
+            <a:spAutoFit/>
+          </a:bodyPr>
+          <a:lstStyle/>
+          <a:p>
+            <a:r>
+              <a:rPr lang="ko-KR" altLang="en-US">
+                <a:solidFill>
+                  <a:srgbClr val="FF0000"/>
+                </a:solidFill>
+              </a:rPr>
+              <a:t>직원 </a:t>
+            </a:r>
+            <a:r>
+              <a:rPr lang="ko-KR" altLang="en-US" dirty="0">
+                <a:solidFill>
+                  <a:srgbClr val="FF0000"/>
+                </a:solidFill>
+              </a:rPr>
+              <a:t>화면</a:t>
+            </a:r>
+          </a:p>
+        </p:txBody>
+      </p:sp>
     </p:spTree>
     <p:extLst>
       <p:ext uri="{BB962C8B-B14F-4D97-AF65-F5344CB8AC3E}">
@@ -5306,7 +5415,7 @@
         </p:blipFill>
         <p:spPr>
           <a:xfrm>
-            <a:off x="408412" y="589214"/>
+            <a:off x="408411" y="599038"/>
             <a:ext cx="8541963" cy="4631084"/>
           </a:xfrm>
           <a:prstGeom prst="rect">
@@ -5755,7 +5864,7 @@
         <p:spPr>
           <a:xfrm>
             <a:off x="9306603" y="449178"/>
-            <a:ext cx="2641141" cy="896527"/>
+            <a:ext cx="2641141" cy="2350772"/>
           </a:xfrm>
           <a:prstGeom prst="rect">
             <a:avLst/>
@@ -5829,6 +5938,548 @@
             <a:r>
               <a:rPr lang="en-US" altLang="ko-KR" sz="900" dirty="0"/>
               <a:t>.</a:t>
+            </a:r>
+          </a:p>
+          <a:p>
+            <a:pPr>
+              <a:lnSpc>
+                <a:spcPct val="150000"/>
+              </a:lnSpc>
+            </a:pPr>
+            <a:endParaRPr lang="en-US" altLang="ko-KR" sz="900" dirty="0"/>
+          </a:p>
+          <a:p>
+            <a:pPr>
+              <a:lnSpc>
+                <a:spcPct val="150000"/>
+              </a:lnSpc>
+            </a:pPr>
+            <a:r>
+              <a:rPr lang="ko-KR" altLang="en-US" sz="900" dirty="0"/>
+              <a:t>② 실행 화면</a:t>
+            </a:r>
+            <a:endParaRPr lang="en-US" altLang="ko-KR" sz="900" dirty="0"/>
+          </a:p>
+          <a:p>
+            <a:pPr marL="171450" indent="-171450">
+              <a:lnSpc>
+                <a:spcPct val="150000"/>
+              </a:lnSpc>
+              <a:buFont typeface="Symbol" panose="05050102010706020507" pitchFamily="18" charset="2"/>
+              <a:buChar char="Þ"/>
+            </a:pPr>
+            <a:r>
+              <a:rPr lang="ko-KR" altLang="en-US" sz="900" dirty="0"/>
+              <a:t>시간 </a:t>
+            </a:r>
+            <a:r>
+              <a:rPr lang="en-US" altLang="ko-KR" sz="900" dirty="0"/>
+              <a:t>/ </a:t>
+            </a:r>
+            <a:r>
+              <a:rPr lang="ko-KR" altLang="en-US" sz="900" dirty="0"/>
+              <a:t>제품</a:t>
+            </a:r>
+            <a:r>
+              <a:rPr lang="en-US" altLang="ko-KR" sz="900" dirty="0"/>
+              <a:t>ID / </a:t>
+            </a:r>
+            <a:r>
+              <a:rPr lang="ko-KR" altLang="en-US" sz="900" dirty="0"/>
+              <a:t>개수 </a:t>
+            </a:r>
+            <a:r>
+              <a:rPr lang="en-US" altLang="ko-KR" sz="900" dirty="0"/>
+              <a:t>: </a:t>
+            </a:r>
+            <a:r>
+              <a:rPr lang="ko-KR" altLang="en-US" sz="900" dirty="0"/>
+              <a:t>불량 </a:t>
+            </a:r>
+            <a:r>
+              <a:rPr lang="en-US" altLang="ko-KR" sz="900" dirty="0"/>
+              <a:t>/ </a:t>
+            </a:r>
+            <a:r>
+              <a:rPr lang="ko-KR" altLang="en-US" sz="900" dirty="0"/>
+              <a:t>직원</a:t>
+            </a:r>
+            <a:r>
+              <a:rPr lang="en-US" altLang="ko-KR" sz="900" dirty="0"/>
+              <a:t>ID </a:t>
+            </a:r>
+          </a:p>
+          <a:p>
+            <a:pPr>
+              <a:lnSpc>
+                <a:spcPct val="150000"/>
+              </a:lnSpc>
+            </a:pPr>
+            <a:r>
+              <a:rPr lang="en-US" altLang="ko-KR" sz="900" dirty="0"/>
+              <a:t>    </a:t>
+            </a:r>
+            <a:r>
+              <a:rPr lang="ko-KR" altLang="en-US" sz="900" dirty="0"/>
+              <a:t>순으로 실행 현황을 출력하고 계산된 현황을</a:t>
+            </a:r>
+            <a:endParaRPr lang="en-US" altLang="ko-KR" sz="900" dirty="0"/>
+          </a:p>
+          <a:p>
+            <a:pPr>
+              <a:lnSpc>
+                <a:spcPct val="150000"/>
+              </a:lnSpc>
+            </a:pPr>
+            <a:r>
+              <a:rPr lang="en-US" altLang="ko-KR" sz="900" dirty="0"/>
+              <a:t>    </a:t>
+            </a:r>
+            <a:r>
+              <a:rPr lang="ko-KR" altLang="en-US" sz="900" dirty="0"/>
+              <a:t>아래에 출력한다</a:t>
+            </a:r>
+            <a:r>
+              <a:rPr lang="en-US" altLang="ko-KR" sz="900" dirty="0"/>
+              <a:t>.</a:t>
+            </a:r>
+          </a:p>
+          <a:p>
+            <a:pPr>
+              <a:lnSpc>
+                <a:spcPct val="150000"/>
+              </a:lnSpc>
+            </a:pPr>
+            <a:endParaRPr lang="en-US" altLang="ko-KR" sz="900" dirty="0"/>
+          </a:p>
+          <a:p>
+            <a:pPr>
+              <a:lnSpc>
+                <a:spcPct val="150000"/>
+              </a:lnSpc>
+            </a:pPr>
+            <a:endParaRPr lang="en-US" altLang="ko-KR" sz="900" dirty="0"/>
+          </a:p>
+        </p:txBody>
+      </p:sp>
+      <p:sp>
+        <p:nvSpPr>
+          <p:cNvPr id="6" name="TextBox 5">
+            <a:extLst>
+              <a:ext uri="{FF2B5EF4-FFF2-40B4-BE49-F238E27FC236}">
+                <a16:creationId xmlns:a16="http://schemas.microsoft.com/office/drawing/2014/main" id="{ED9B2096-4843-4780-A06E-15CDD1E004D9}"/>
+              </a:ext>
+            </a:extLst>
+          </p:cNvPr>
+          <p:cNvSpPr txBox="1"/>
+          <p:nvPr/>
+        </p:nvSpPr>
+        <p:spPr>
+          <a:xfrm>
+            <a:off x="408412" y="1981653"/>
+            <a:ext cx="2223083" cy="215444"/>
+          </a:xfrm>
+          <a:prstGeom prst="rect">
+            <a:avLst/>
+          </a:prstGeom>
+          <a:noFill/>
+        </p:spPr>
+        <p:txBody>
+          <a:bodyPr wrap="square" rtlCol="0">
+            <a:spAutoFit/>
+          </a:bodyPr>
+          <a:lstStyle/>
+          <a:p>
+            <a:r>
+              <a:rPr lang="en-US" altLang="ko-KR" sz="800" dirty="0"/>
+              <a:t>15:01:55  /30001  /5  : 1     /20001</a:t>
+            </a:r>
+            <a:endParaRPr lang="ko-KR" altLang="en-US" sz="800" dirty="0"/>
+          </a:p>
+        </p:txBody>
+      </p:sp>
+      <p:sp>
+        <p:nvSpPr>
+          <p:cNvPr id="15" name="TextBox 14">
+            <a:extLst>
+              <a:ext uri="{FF2B5EF4-FFF2-40B4-BE49-F238E27FC236}">
+                <a16:creationId xmlns:a16="http://schemas.microsoft.com/office/drawing/2014/main" id="{0709BBC3-6A3B-4CAC-9A1D-2F42AA9B3EF7}"/>
+              </a:ext>
+            </a:extLst>
+          </p:cNvPr>
+          <p:cNvSpPr txBox="1"/>
+          <p:nvPr/>
+        </p:nvSpPr>
+        <p:spPr>
+          <a:xfrm>
+            <a:off x="2233784" y="1322464"/>
+            <a:ext cx="364202" cy="307777"/>
+          </a:xfrm>
+          <a:prstGeom prst="rect">
+            <a:avLst/>
+          </a:prstGeom>
+        </p:spPr>
+        <p:txBody>
+          <a:bodyPr wrap="none" rtlCol="0">
+            <a:spAutoFit/>
+          </a:bodyPr>
+          <a:lstStyle/>
+          <a:p>
+            <a:r>
+              <a:rPr lang="ko-KR" altLang="en-US" sz="1400" b="1" dirty="0">
+                <a:solidFill>
+                  <a:srgbClr val="FF0000"/>
+                </a:solidFill>
+              </a:rPr>
+              <a:t>②</a:t>
+            </a:r>
+          </a:p>
+        </p:txBody>
+      </p:sp>
+      <p:sp>
+        <p:nvSpPr>
+          <p:cNvPr id="18" name="TextBox 17">
+            <a:extLst>
+              <a:ext uri="{FF2B5EF4-FFF2-40B4-BE49-F238E27FC236}">
+                <a16:creationId xmlns:a16="http://schemas.microsoft.com/office/drawing/2014/main" id="{92ABD908-FD93-4FD3-BB4C-B85E591096CD}"/>
+              </a:ext>
+            </a:extLst>
+          </p:cNvPr>
+          <p:cNvSpPr txBox="1"/>
+          <p:nvPr/>
+        </p:nvSpPr>
+        <p:spPr>
+          <a:xfrm>
+            <a:off x="408412" y="1813922"/>
+            <a:ext cx="2223083" cy="215444"/>
+          </a:xfrm>
+          <a:prstGeom prst="rect">
+            <a:avLst/>
+          </a:prstGeom>
+          <a:noFill/>
+        </p:spPr>
+        <p:txBody>
+          <a:bodyPr wrap="square" rtlCol="0">
+            <a:spAutoFit/>
+          </a:bodyPr>
+          <a:lstStyle/>
+          <a:p>
+            <a:r>
+              <a:rPr lang="ko-KR" altLang="en-US" sz="800" dirty="0"/>
+              <a:t>시간       </a:t>
+            </a:r>
+            <a:r>
+              <a:rPr lang="en-US" altLang="ko-KR" sz="800" dirty="0"/>
+              <a:t>/</a:t>
+            </a:r>
+            <a:r>
+              <a:rPr lang="ko-KR" altLang="en-US" sz="800" dirty="0"/>
+              <a:t>제품</a:t>
+            </a:r>
+            <a:r>
+              <a:rPr lang="en-US" altLang="ko-KR" sz="800" dirty="0"/>
+              <a:t>ID /</a:t>
+            </a:r>
+            <a:r>
+              <a:rPr lang="ko-KR" altLang="en-US" sz="800" dirty="0"/>
+              <a:t>개수</a:t>
+            </a:r>
+            <a:r>
+              <a:rPr lang="en-US" altLang="ko-KR" sz="800" dirty="0"/>
+              <a:t>:</a:t>
+            </a:r>
+            <a:r>
+              <a:rPr lang="ko-KR" altLang="en-US" sz="800" dirty="0"/>
+              <a:t>불량</a:t>
+            </a:r>
+            <a:r>
+              <a:rPr lang="en-US" altLang="ko-KR" sz="800" dirty="0"/>
+              <a:t>/</a:t>
+            </a:r>
+            <a:r>
+              <a:rPr lang="ko-KR" altLang="en-US" sz="800" dirty="0"/>
+              <a:t>직원</a:t>
+            </a:r>
+            <a:r>
+              <a:rPr lang="en-US" altLang="ko-KR" sz="800" dirty="0"/>
+              <a:t>ID</a:t>
+            </a:r>
+            <a:endParaRPr lang="ko-KR" altLang="en-US" sz="800" dirty="0"/>
+          </a:p>
+        </p:txBody>
+      </p:sp>
+      <p:sp>
+        <p:nvSpPr>
+          <p:cNvPr id="19" name="TextBox 18">
+            <a:extLst>
+              <a:ext uri="{FF2B5EF4-FFF2-40B4-BE49-F238E27FC236}">
+                <a16:creationId xmlns:a16="http://schemas.microsoft.com/office/drawing/2014/main" id="{A7820201-70FC-4074-A344-C9603E33CC87}"/>
+              </a:ext>
+            </a:extLst>
+          </p:cNvPr>
+          <p:cNvSpPr txBox="1"/>
+          <p:nvPr/>
+        </p:nvSpPr>
+        <p:spPr>
+          <a:xfrm>
+            <a:off x="408412" y="2127462"/>
+            <a:ext cx="2223083" cy="215444"/>
+          </a:xfrm>
+          <a:prstGeom prst="rect">
+            <a:avLst/>
+          </a:prstGeom>
+          <a:noFill/>
+        </p:spPr>
+        <p:txBody>
+          <a:bodyPr wrap="square" rtlCol="0">
+            <a:spAutoFit/>
+          </a:bodyPr>
+          <a:lstStyle/>
+          <a:p>
+            <a:r>
+              <a:rPr lang="en-US" altLang="ko-KR" sz="800" dirty="0"/>
+              <a:t>15:02:00  /30001  /8  : 2     /20001</a:t>
+            </a:r>
+            <a:endParaRPr lang="ko-KR" altLang="en-US" sz="800" dirty="0"/>
+          </a:p>
+        </p:txBody>
+      </p:sp>
+      <p:sp>
+        <p:nvSpPr>
+          <p:cNvPr id="22" name="TextBox 21">
+            <a:extLst>
+              <a:ext uri="{FF2B5EF4-FFF2-40B4-BE49-F238E27FC236}">
+                <a16:creationId xmlns:a16="http://schemas.microsoft.com/office/drawing/2014/main" id="{5FDCF3D0-1A15-4DE3-BC1B-46DFE5D14C8D}"/>
+              </a:ext>
+            </a:extLst>
+          </p:cNvPr>
+          <p:cNvSpPr txBox="1"/>
+          <p:nvPr/>
+        </p:nvSpPr>
+        <p:spPr>
+          <a:xfrm>
+            <a:off x="408412" y="2260697"/>
+            <a:ext cx="2223083" cy="215444"/>
+          </a:xfrm>
+          <a:prstGeom prst="rect">
+            <a:avLst/>
+          </a:prstGeom>
+          <a:noFill/>
+        </p:spPr>
+        <p:txBody>
+          <a:bodyPr wrap="square" rtlCol="0">
+            <a:spAutoFit/>
+          </a:bodyPr>
+          <a:lstStyle/>
+          <a:p>
+            <a:r>
+              <a:rPr lang="en-US" altLang="ko-KR" sz="800" dirty="0"/>
+              <a:t>15:02:05  /30001  /6  : 1     /20001</a:t>
+            </a:r>
+            <a:endParaRPr lang="ko-KR" altLang="en-US" sz="800" dirty="0"/>
+          </a:p>
+        </p:txBody>
+      </p:sp>
+      <p:sp>
+        <p:nvSpPr>
+          <p:cNvPr id="24" name="TextBox 23">
+            <a:extLst>
+              <a:ext uri="{FF2B5EF4-FFF2-40B4-BE49-F238E27FC236}">
+                <a16:creationId xmlns:a16="http://schemas.microsoft.com/office/drawing/2014/main" id="{C750A6D4-058F-4F29-9E71-5B9052BDF773}"/>
+              </a:ext>
+            </a:extLst>
+          </p:cNvPr>
+          <p:cNvSpPr txBox="1"/>
+          <p:nvPr/>
+        </p:nvSpPr>
+        <p:spPr>
+          <a:xfrm>
+            <a:off x="408411" y="2387267"/>
+            <a:ext cx="2223083" cy="215444"/>
+          </a:xfrm>
+          <a:prstGeom prst="rect">
+            <a:avLst/>
+          </a:prstGeom>
+          <a:noFill/>
+        </p:spPr>
+        <p:txBody>
+          <a:bodyPr wrap="square" rtlCol="0">
+            <a:spAutoFit/>
+          </a:bodyPr>
+          <a:lstStyle/>
+          <a:p>
+            <a:r>
+              <a:rPr lang="en-US" altLang="ko-KR" sz="800" dirty="0"/>
+              <a:t>15:02:10  /30001  /2  : 0     /20001</a:t>
+            </a:r>
+            <a:endParaRPr lang="ko-KR" altLang="en-US" sz="800" dirty="0"/>
+          </a:p>
+        </p:txBody>
+      </p:sp>
+      <p:sp>
+        <p:nvSpPr>
+          <p:cNvPr id="7" name="TextBox 6">
+            <a:extLst>
+              <a:ext uri="{FF2B5EF4-FFF2-40B4-BE49-F238E27FC236}">
+                <a16:creationId xmlns:a16="http://schemas.microsoft.com/office/drawing/2014/main" id="{4F9FD30F-289A-4309-8838-8D307088DC68}"/>
+              </a:ext>
+            </a:extLst>
+          </p:cNvPr>
+          <p:cNvSpPr txBox="1"/>
+          <p:nvPr/>
+        </p:nvSpPr>
+        <p:spPr>
+          <a:xfrm>
+            <a:off x="1703263" y="3721894"/>
+            <a:ext cx="338138" cy="246221"/>
+          </a:xfrm>
+          <a:prstGeom prst="rect">
+            <a:avLst/>
+          </a:prstGeom>
+          <a:solidFill>
+            <a:srgbClr val="F0F0F0"/>
+          </a:solidFill>
+        </p:spPr>
+        <p:txBody>
+          <a:bodyPr wrap="square" rtlCol="0">
+            <a:spAutoFit/>
+          </a:bodyPr>
+          <a:lstStyle/>
+          <a:p>
+            <a:r>
+              <a:rPr lang="en-US" altLang="ko-KR" sz="1000" dirty="0"/>
+              <a:t>21</a:t>
+            </a:r>
+            <a:endParaRPr lang="ko-KR" altLang="en-US" sz="1000" dirty="0"/>
+          </a:p>
+        </p:txBody>
+      </p:sp>
+      <p:sp>
+        <p:nvSpPr>
+          <p:cNvPr id="25" name="TextBox 24">
+            <a:extLst>
+              <a:ext uri="{FF2B5EF4-FFF2-40B4-BE49-F238E27FC236}">
+                <a16:creationId xmlns:a16="http://schemas.microsoft.com/office/drawing/2014/main" id="{E6E8B8B0-C23C-4ED9-A43E-62D364454B28}"/>
+              </a:ext>
+            </a:extLst>
+          </p:cNvPr>
+          <p:cNvSpPr txBox="1"/>
+          <p:nvPr/>
+        </p:nvSpPr>
+        <p:spPr>
+          <a:xfrm>
+            <a:off x="1769832" y="3905575"/>
+            <a:ext cx="212846" cy="246221"/>
+          </a:xfrm>
+          <a:prstGeom prst="rect">
+            <a:avLst/>
+          </a:prstGeom>
+          <a:solidFill>
+            <a:srgbClr val="F0F0F0"/>
+          </a:solidFill>
+        </p:spPr>
+        <p:txBody>
+          <a:bodyPr wrap="square" rtlCol="0">
+            <a:spAutoFit/>
+          </a:bodyPr>
+          <a:lstStyle/>
+          <a:p>
+            <a:r>
+              <a:rPr lang="en-US" altLang="ko-KR" sz="1000" dirty="0"/>
+              <a:t>4</a:t>
+            </a:r>
+            <a:endParaRPr lang="ko-KR" altLang="en-US" sz="1000" dirty="0"/>
+          </a:p>
+        </p:txBody>
+      </p:sp>
+      <p:sp>
+        <p:nvSpPr>
+          <p:cNvPr id="26" name="TextBox 25">
+            <a:extLst>
+              <a:ext uri="{FF2B5EF4-FFF2-40B4-BE49-F238E27FC236}">
+                <a16:creationId xmlns:a16="http://schemas.microsoft.com/office/drawing/2014/main" id="{A75CAD95-3BE9-412B-9D69-FCE07E5C62B6}"/>
+              </a:ext>
+            </a:extLst>
+          </p:cNvPr>
+          <p:cNvSpPr txBox="1"/>
+          <p:nvPr/>
+        </p:nvSpPr>
+        <p:spPr>
+          <a:xfrm>
+            <a:off x="1703263" y="4129964"/>
+            <a:ext cx="338138" cy="246221"/>
+          </a:xfrm>
+          <a:prstGeom prst="rect">
+            <a:avLst/>
+          </a:prstGeom>
+          <a:solidFill>
+            <a:srgbClr val="F0F0F0"/>
+          </a:solidFill>
+        </p:spPr>
+        <p:txBody>
+          <a:bodyPr wrap="square" rtlCol="0">
+            <a:spAutoFit/>
+          </a:bodyPr>
+          <a:lstStyle/>
+          <a:p>
+            <a:r>
+              <a:rPr lang="en-US" altLang="ko-KR" sz="1000" dirty="0"/>
+              <a:t>20</a:t>
+            </a:r>
+            <a:endParaRPr lang="ko-KR" altLang="en-US" sz="1000" dirty="0"/>
+          </a:p>
+        </p:txBody>
+      </p:sp>
+      <p:sp>
+        <p:nvSpPr>
+          <p:cNvPr id="27" name="TextBox 26">
+            <a:extLst>
+              <a:ext uri="{FF2B5EF4-FFF2-40B4-BE49-F238E27FC236}">
+                <a16:creationId xmlns:a16="http://schemas.microsoft.com/office/drawing/2014/main" id="{D67A770C-E71F-4263-9C53-B3841F37007B}"/>
+              </a:ext>
+            </a:extLst>
+          </p:cNvPr>
+          <p:cNvSpPr txBox="1"/>
+          <p:nvPr/>
+        </p:nvSpPr>
+        <p:spPr>
+          <a:xfrm>
+            <a:off x="7736235" y="572696"/>
+            <a:ext cx="1214141" cy="369332"/>
+          </a:xfrm>
+          <a:prstGeom prst="rect">
+            <a:avLst/>
+          </a:prstGeom>
+          <a:solidFill>
+            <a:schemeClr val="bg1"/>
+          </a:solidFill>
+          <a:ln>
+            <a:solidFill>
+              <a:srgbClr val="FF0000"/>
+            </a:solidFill>
+          </a:ln>
+        </p:spPr>
+        <p:txBody>
+          <a:bodyPr wrap="square" rtlCol="0">
+            <a:spAutoFit/>
+          </a:bodyPr>
+          <a:lstStyle/>
+          <a:p>
+            <a:r>
+              <a:rPr lang="ko-KR" altLang="en-US">
+                <a:solidFill>
+                  <a:srgbClr val="FF0000"/>
+                </a:solidFill>
+              </a:rPr>
+              <a:t>직원 </a:t>
+            </a:r>
+            <a:r>
+              <a:rPr lang="ko-KR" altLang="en-US" dirty="0">
+                <a:solidFill>
+                  <a:srgbClr val="FF0000"/>
+                </a:solidFill>
+              </a:rPr>
+              <a:t>화면</a:t>
             </a:r>
           </a:p>
         </p:txBody>
@@ -6166,42 +6817,6 @@
           </a:p>
         </p:txBody>
       </p:sp>
-      <p:pic>
-        <p:nvPicPr>
-          <p:cNvPr id="10" name="그림 9" descr="스크린샷이(가) 표시된 사진&#10;&#10;자동 생성된 설명">
-            <a:extLst>
-              <a:ext uri="{FF2B5EF4-FFF2-40B4-BE49-F238E27FC236}">
-                <a16:creationId xmlns:a16="http://schemas.microsoft.com/office/drawing/2014/main" id="{FFFAC0E6-4C04-436A-B37A-910E8BBFFA7F}"/>
-              </a:ext>
-            </a:extLst>
-          </p:cNvPr>
-          <p:cNvPicPr>
-            <a:picLocks noChangeAspect="1"/>
-          </p:cNvPicPr>
-          <p:nvPr/>
-        </p:nvPicPr>
-        <p:blipFill>
-          <a:blip r:embed="rId5">
-            <a:extLst>
-              <a:ext uri="{28A0092B-C50C-407E-A947-70E740481C1C}">
-                <a14:useLocalDpi xmlns:a14="http://schemas.microsoft.com/office/drawing/2010/main" val="0"/>
-              </a:ext>
-            </a:extLst>
-          </a:blip>
-          <a:stretch>
-            <a:fillRect/>
-          </a:stretch>
-        </p:blipFill>
-        <p:spPr>
-          <a:xfrm>
-            <a:off x="5208724" y="2907423"/>
-            <a:ext cx="1720485" cy="3341565"/>
-          </a:xfrm>
-          <a:prstGeom prst="rect">
-            <a:avLst/>
-          </a:prstGeom>
-        </p:spPr>
-      </p:pic>
       <p:sp>
         <p:nvSpPr>
           <p:cNvPr id="15" name="직사각형 14">
@@ -6351,58 +6966,6 @@
           </a:fontRef>
         </p:style>
       </p:cxnSp>
-      <p:sp>
-        <p:nvSpPr>
-          <p:cNvPr id="20" name="직사각형 19">
-            <a:extLst>
-              <a:ext uri="{FF2B5EF4-FFF2-40B4-BE49-F238E27FC236}">
-                <a16:creationId xmlns:a16="http://schemas.microsoft.com/office/drawing/2014/main" id="{588E6AB3-955D-4F49-A06D-E25AFD2E4BCE}"/>
-              </a:ext>
-            </a:extLst>
-          </p:cNvPr>
-          <p:cNvSpPr/>
-          <p:nvPr/>
-        </p:nvSpPr>
-        <p:spPr>
-          <a:xfrm>
-            <a:off x="5182541" y="2865257"/>
-            <a:ext cx="1720485" cy="3365788"/>
-          </a:xfrm>
-          <a:prstGeom prst="rect">
-            <a:avLst/>
-          </a:prstGeom>
-          <a:noFill/>
-          <a:ln w="28575">
-            <a:solidFill>
-              <a:srgbClr val="FF0000"/>
-            </a:solidFill>
-          </a:ln>
-        </p:spPr>
-        <p:style>
-          <a:lnRef idx="2">
-            <a:schemeClr val="accent1">
-              <a:shade val="50000"/>
-            </a:schemeClr>
-          </a:lnRef>
-          <a:fillRef idx="1">
-            <a:schemeClr val="accent1"/>
-          </a:fillRef>
-          <a:effectRef idx="0">
-            <a:schemeClr val="accent1"/>
-          </a:effectRef>
-          <a:fontRef idx="minor">
-            <a:schemeClr val="lt1"/>
-          </a:fontRef>
-        </p:style>
-        <p:txBody>
-          <a:bodyPr rtlCol="0" anchor="ctr"/>
-          <a:lstStyle/>
-          <a:p>
-            <a:pPr algn="ctr"/>
-            <a:endParaRPr lang="ko-KR" altLang="en-US" dirty="0"/>
-          </a:p>
-        </p:txBody>
-      </p:sp>
       <p:cxnSp>
         <p:nvCxnSpPr>
           <p:cNvPr id="21" name="직선 화살표 연결선 20">
@@ -6414,13 +6977,14 @@
           </p:cNvPr>
           <p:cNvCxnSpPr>
             <a:cxnSpLocks/>
+            <a:endCxn id="41" idx="1"/>
           </p:cNvCxnSpPr>
           <p:nvPr/>
         </p:nvCxnSpPr>
         <p:spPr>
           <a:xfrm>
             <a:off x="4600575" y="2479549"/>
-            <a:ext cx="581966" cy="1435607"/>
+            <a:ext cx="1246555" cy="1783709"/>
           </a:xfrm>
           <a:prstGeom prst="straightConnector1">
             <a:avLst/>
@@ -6684,7 +7248,7 @@
         </p:nvSpPr>
         <p:spPr>
           <a:xfrm>
-            <a:off x="4709457" y="3683435"/>
+            <a:off x="5134393" y="3895863"/>
             <a:ext cx="364202" cy="307777"/>
           </a:xfrm>
           <a:prstGeom prst="rect">
@@ -6884,10 +7448,1752 @@
           </a:p>
         </p:txBody>
       </p:sp>
+      <p:sp>
+        <p:nvSpPr>
+          <p:cNvPr id="24" name="TextBox 23">
+            <a:extLst>
+              <a:ext uri="{FF2B5EF4-FFF2-40B4-BE49-F238E27FC236}">
+                <a16:creationId xmlns:a16="http://schemas.microsoft.com/office/drawing/2014/main" id="{6B55E869-B167-40F1-A194-9577073AC7A6}"/>
+              </a:ext>
+            </a:extLst>
+          </p:cNvPr>
+          <p:cNvSpPr txBox="1"/>
+          <p:nvPr/>
+        </p:nvSpPr>
+        <p:spPr>
+          <a:xfrm>
+            <a:off x="5849619" y="1601835"/>
+            <a:ext cx="2006742" cy="207749"/>
+          </a:xfrm>
+          <a:prstGeom prst="rect">
+            <a:avLst/>
+          </a:prstGeom>
+          <a:noFill/>
+        </p:spPr>
+        <p:txBody>
+          <a:bodyPr wrap="square" rtlCol="0">
+            <a:spAutoFit/>
+          </a:bodyPr>
+          <a:lstStyle/>
+          <a:p>
+            <a:r>
+              <a:rPr lang="en-US" altLang="ko-KR" sz="750" dirty="0"/>
+              <a:t>15:01:55  /30001  /5  : 1     /20001</a:t>
+            </a:r>
+            <a:endParaRPr lang="ko-KR" altLang="en-US" sz="750" dirty="0"/>
+          </a:p>
+        </p:txBody>
+      </p:sp>
+      <p:sp>
+        <p:nvSpPr>
+          <p:cNvPr id="26" name="TextBox 25">
+            <a:extLst>
+              <a:ext uri="{FF2B5EF4-FFF2-40B4-BE49-F238E27FC236}">
+                <a16:creationId xmlns:a16="http://schemas.microsoft.com/office/drawing/2014/main" id="{839F29DE-0E6E-4695-ACDF-88D1617D45E3}"/>
+              </a:ext>
+            </a:extLst>
+          </p:cNvPr>
+          <p:cNvSpPr txBox="1"/>
+          <p:nvPr/>
+        </p:nvSpPr>
+        <p:spPr>
+          <a:xfrm>
+            <a:off x="5849619" y="1434104"/>
+            <a:ext cx="2006742" cy="207749"/>
+          </a:xfrm>
+          <a:prstGeom prst="rect">
+            <a:avLst/>
+          </a:prstGeom>
+          <a:noFill/>
+        </p:spPr>
+        <p:txBody>
+          <a:bodyPr wrap="square" rtlCol="0">
+            <a:spAutoFit/>
+          </a:bodyPr>
+          <a:lstStyle/>
+          <a:p>
+            <a:r>
+              <a:rPr lang="ko-KR" altLang="en-US" sz="750" dirty="0"/>
+              <a:t>시간       </a:t>
+            </a:r>
+            <a:r>
+              <a:rPr lang="en-US" altLang="ko-KR" sz="750" dirty="0"/>
+              <a:t>/</a:t>
+            </a:r>
+            <a:r>
+              <a:rPr lang="ko-KR" altLang="en-US" sz="750" dirty="0"/>
+              <a:t>제품</a:t>
+            </a:r>
+            <a:r>
+              <a:rPr lang="en-US" altLang="ko-KR" sz="750" dirty="0"/>
+              <a:t>ID /</a:t>
+            </a:r>
+            <a:r>
+              <a:rPr lang="ko-KR" altLang="en-US" sz="750" dirty="0"/>
+              <a:t>개수</a:t>
+            </a:r>
+            <a:r>
+              <a:rPr lang="en-US" altLang="ko-KR" sz="750" dirty="0"/>
+              <a:t>:</a:t>
+            </a:r>
+            <a:r>
+              <a:rPr lang="ko-KR" altLang="en-US" sz="750" dirty="0"/>
+              <a:t>불량</a:t>
+            </a:r>
+            <a:r>
+              <a:rPr lang="en-US" altLang="ko-KR" sz="750" dirty="0"/>
+              <a:t>/</a:t>
+            </a:r>
+            <a:r>
+              <a:rPr lang="ko-KR" altLang="en-US" sz="750" dirty="0"/>
+              <a:t>직원</a:t>
+            </a:r>
+            <a:r>
+              <a:rPr lang="en-US" altLang="ko-KR" sz="750" dirty="0"/>
+              <a:t>ID</a:t>
+            </a:r>
+            <a:endParaRPr lang="ko-KR" altLang="en-US" sz="750" dirty="0"/>
+          </a:p>
+        </p:txBody>
+      </p:sp>
+      <p:sp>
+        <p:nvSpPr>
+          <p:cNvPr id="27" name="TextBox 26">
+            <a:extLst>
+              <a:ext uri="{FF2B5EF4-FFF2-40B4-BE49-F238E27FC236}">
+                <a16:creationId xmlns:a16="http://schemas.microsoft.com/office/drawing/2014/main" id="{768F463E-6A76-4CE1-AA6B-11F27A759450}"/>
+              </a:ext>
+            </a:extLst>
+          </p:cNvPr>
+          <p:cNvSpPr txBox="1"/>
+          <p:nvPr/>
+        </p:nvSpPr>
+        <p:spPr>
+          <a:xfrm>
+            <a:off x="5849619" y="1747644"/>
+            <a:ext cx="2006742" cy="207749"/>
+          </a:xfrm>
+          <a:prstGeom prst="rect">
+            <a:avLst/>
+          </a:prstGeom>
+          <a:noFill/>
+        </p:spPr>
+        <p:txBody>
+          <a:bodyPr wrap="square" rtlCol="0">
+            <a:spAutoFit/>
+          </a:bodyPr>
+          <a:lstStyle/>
+          <a:p>
+            <a:r>
+              <a:rPr lang="en-US" altLang="ko-KR" sz="750" dirty="0"/>
+              <a:t>15:02:00  /30001  /8  : 2     /20001</a:t>
+            </a:r>
+            <a:endParaRPr lang="ko-KR" altLang="en-US" sz="750" dirty="0"/>
+          </a:p>
+        </p:txBody>
+      </p:sp>
+      <p:sp>
+        <p:nvSpPr>
+          <p:cNvPr id="33" name="TextBox 32">
+            <a:extLst>
+              <a:ext uri="{FF2B5EF4-FFF2-40B4-BE49-F238E27FC236}">
+                <a16:creationId xmlns:a16="http://schemas.microsoft.com/office/drawing/2014/main" id="{194C593E-3964-4B9F-947C-EDCDB267A2EC}"/>
+              </a:ext>
+            </a:extLst>
+          </p:cNvPr>
+          <p:cNvSpPr txBox="1"/>
+          <p:nvPr/>
+        </p:nvSpPr>
+        <p:spPr>
+          <a:xfrm>
+            <a:off x="5849619" y="1880879"/>
+            <a:ext cx="2006742" cy="207749"/>
+          </a:xfrm>
+          <a:prstGeom prst="rect">
+            <a:avLst/>
+          </a:prstGeom>
+          <a:noFill/>
+        </p:spPr>
+        <p:txBody>
+          <a:bodyPr wrap="square" rtlCol="0">
+            <a:spAutoFit/>
+          </a:bodyPr>
+          <a:lstStyle/>
+          <a:p>
+            <a:r>
+              <a:rPr lang="en-US" altLang="ko-KR" sz="750" dirty="0"/>
+              <a:t>15:02:05  /30001  /6  : 1     /20001</a:t>
+            </a:r>
+            <a:endParaRPr lang="ko-KR" altLang="en-US" sz="750" dirty="0"/>
+          </a:p>
+        </p:txBody>
+      </p:sp>
+      <p:sp>
+        <p:nvSpPr>
+          <p:cNvPr id="35" name="TextBox 34">
+            <a:extLst>
+              <a:ext uri="{FF2B5EF4-FFF2-40B4-BE49-F238E27FC236}">
+                <a16:creationId xmlns:a16="http://schemas.microsoft.com/office/drawing/2014/main" id="{AD5E69A7-9916-4A02-BB39-8B983D2F0E20}"/>
+              </a:ext>
+            </a:extLst>
+          </p:cNvPr>
+          <p:cNvSpPr txBox="1"/>
+          <p:nvPr/>
+        </p:nvSpPr>
+        <p:spPr>
+          <a:xfrm>
+            <a:off x="5849618" y="2007449"/>
+            <a:ext cx="2006742" cy="207749"/>
+          </a:xfrm>
+          <a:prstGeom prst="rect">
+            <a:avLst/>
+          </a:prstGeom>
+          <a:noFill/>
+        </p:spPr>
+        <p:txBody>
+          <a:bodyPr wrap="square" rtlCol="0">
+            <a:spAutoFit/>
+          </a:bodyPr>
+          <a:lstStyle/>
+          <a:p>
+            <a:r>
+              <a:rPr lang="en-US" altLang="ko-KR" sz="750" dirty="0"/>
+              <a:t>15:02:10  /30001  /2  : 0     /20001</a:t>
+            </a:r>
+            <a:endParaRPr lang="ko-KR" altLang="en-US" sz="750" dirty="0"/>
+          </a:p>
+        </p:txBody>
+      </p:sp>
+      <p:grpSp>
+        <p:nvGrpSpPr>
+          <p:cNvPr id="6" name="그룹 5">
+            <a:extLst>
+              <a:ext uri="{FF2B5EF4-FFF2-40B4-BE49-F238E27FC236}">
+                <a16:creationId xmlns:a16="http://schemas.microsoft.com/office/drawing/2014/main" id="{714AE498-9F3D-4078-B359-A10E68253C72}"/>
+              </a:ext>
+            </a:extLst>
+          </p:cNvPr>
+          <p:cNvGrpSpPr/>
+          <p:nvPr/>
+        </p:nvGrpSpPr>
+        <p:grpSpPr>
+          <a:xfrm>
+            <a:off x="5827799" y="2934519"/>
+            <a:ext cx="2028561" cy="3383731"/>
+            <a:chOff x="5182541" y="2865257"/>
+            <a:chExt cx="2028561" cy="3383731"/>
+          </a:xfrm>
+        </p:grpSpPr>
+        <p:pic>
+          <p:nvPicPr>
+            <p:cNvPr id="10" name="그림 9" descr="스크린샷이(가) 표시된 사진&#10;&#10;자동 생성된 설명">
+              <a:extLst>
+                <a:ext uri="{FF2B5EF4-FFF2-40B4-BE49-F238E27FC236}">
+                  <a16:creationId xmlns:a16="http://schemas.microsoft.com/office/drawing/2014/main" id="{FFFAC0E6-4C04-436A-B37A-910E8BBFFA7F}"/>
+                </a:ext>
+              </a:extLst>
+            </p:cNvPr>
+            <p:cNvPicPr>
+              <a:picLocks noChangeAspect="1"/>
+            </p:cNvPicPr>
+            <p:nvPr/>
+          </p:nvPicPr>
+          <p:blipFill>
+            <a:blip r:embed="rId5">
+              <a:extLst>
+                <a:ext uri="{28A0092B-C50C-407E-A947-70E740481C1C}">
+                  <a14:useLocalDpi xmlns:a14="http://schemas.microsoft.com/office/drawing/2010/main" val="0"/>
+                </a:ext>
+              </a:extLst>
+            </a:blip>
+            <a:stretch>
+              <a:fillRect/>
+            </a:stretch>
+          </p:blipFill>
+          <p:spPr>
+            <a:xfrm>
+              <a:off x="5208724" y="2907423"/>
+              <a:ext cx="1720485" cy="3341565"/>
+            </a:xfrm>
+            <a:prstGeom prst="rect">
+              <a:avLst/>
+            </a:prstGeom>
+          </p:spPr>
+        </p:pic>
+        <p:sp>
+          <p:nvSpPr>
+            <p:cNvPr id="20" name="직사각형 19">
+              <a:extLst>
+                <a:ext uri="{FF2B5EF4-FFF2-40B4-BE49-F238E27FC236}">
+                  <a16:creationId xmlns:a16="http://schemas.microsoft.com/office/drawing/2014/main" id="{588E6AB3-955D-4F49-A06D-E25AFD2E4BCE}"/>
+                </a:ext>
+              </a:extLst>
+            </p:cNvPr>
+            <p:cNvSpPr/>
+            <p:nvPr/>
+          </p:nvSpPr>
+          <p:spPr>
+            <a:xfrm>
+              <a:off x="5182541" y="2865257"/>
+              <a:ext cx="1720485" cy="3365788"/>
+            </a:xfrm>
+            <a:prstGeom prst="rect">
+              <a:avLst/>
+            </a:prstGeom>
+            <a:noFill/>
+            <a:ln w="28575">
+              <a:solidFill>
+                <a:srgbClr val="FF0000"/>
+              </a:solidFill>
+            </a:ln>
+          </p:spPr>
+          <p:style>
+            <a:lnRef idx="2">
+              <a:schemeClr val="accent1">
+                <a:shade val="50000"/>
+              </a:schemeClr>
+            </a:lnRef>
+            <a:fillRef idx="1">
+              <a:schemeClr val="accent1"/>
+            </a:fillRef>
+            <a:effectRef idx="0">
+              <a:schemeClr val="accent1"/>
+            </a:effectRef>
+            <a:fontRef idx="minor">
+              <a:schemeClr val="lt1"/>
+            </a:fontRef>
+          </p:style>
+          <p:txBody>
+            <a:bodyPr rtlCol="0" anchor="ctr"/>
+            <a:lstStyle/>
+            <a:p>
+              <a:pPr algn="ctr"/>
+              <a:endParaRPr lang="ko-KR" altLang="en-US" dirty="0"/>
+            </a:p>
+          </p:txBody>
+        </p:sp>
+        <p:sp>
+          <p:nvSpPr>
+            <p:cNvPr id="36" name="TextBox 35">
+              <a:extLst>
+                <a:ext uri="{FF2B5EF4-FFF2-40B4-BE49-F238E27FC236}">
+                  <a16:creationId xmlns:a16="http://schemas.microsoft.com/office/drawing/2014/main" id="{316ED952-F1F5-4907-9727-BE68B4889A42}"/>
+                </a:ext>
+              </a:extLst>
+            </p:cNvPr>
+            <p:cNvSpPr txBox="1"/>
+            <p:nvPr/>
+          </p:nvSpPr>
+          <p:spPr>
+            <a:xfrm>
+              <a:off x="5201872" y="3811077"/>
+              <a:ext cx="2006742" cy="207749"/>
+            </a:xfrm>
+            <a:prstGeom prst="rect">
+              <a:avLst/>
+            </a:prstGeom>
+            <a:noFill/>
+          </p:spPr>
+          <p:txBody>
+            <a:bodyPr wrap="square" rtlCol="0">
+              <a:spAutoFit/>
+            </a:bodyPr>
+            <a:lstStyle/>
+            <a:p>
+              <a:r>
+                <a:rPr lang="en-US" altLang="ko-KR" sz="750" dirty="0"/>
+                <a:t>15:01:55  /30001  /5  : 1     /20001</a:t>
+              </a:r>
+              <a:endParaRPr lang="ko-KR" altLang="en-US" sz="750" dirty="0"/>
+            </a:p>
+          </p:txBody>
+        </p:sp>
+        <p:sp>
+          <p:nvSpPr>
+            <p:cNvPr id="39" name="TextBox 38">
+              <a:extLst>
+                <a:ext uri="{FF2B5EF4-FFF2-40B4-BE49-F238E27FC236}">
+                  <a16:creationId xmlns:a16="http://schemas.microsoft.com/office/drawing/2014/main" id="{9CD62935-3A46-4008-AC5F-B768D1F5A838}"/>
+                </a:ext>
+              </a:extLst>
+            </p:cNvPr>
+            <p:cNvSpPr txBox="1"/>
+            <p:nvPr/>
+          </p:nvSpPr>
+          <p:spPr>
+            <a:xfrm>
+              <a:off x="5201872" y="3643346"/>
+              <a:ext cx="2006742" cy="207749"/>
+            </a:xfrm>
+            <a:prstGeom prst="rect">
+              <a:avLst/>
+            </a:prstGeom>
+            <a:noFill/>
+          </p:spPr>
+          <p:txBody>
+            <a:bodyPr wrap="square" rtlCol="0">
+              <a:spAutoFit/>
+            </a:bodyPr>
+            <a:lstStyle/>
+            <a:p>
+              <a:r>
+                <a:rPr lang="ko-KR" altLang="en-US" sz="750" dirty="0"/>
+                <a:t>시간       </a:t>
+              </a:r>
+              <a:r>
+                <a:rPr lang="en-US" altLang="ko-KR" sz="750" dirty="0"/>
+                <a:t>/</a:t>
+              </a:r>
+              <a:r>
+                <a:rPr lang="ko-KR" altLang="en-US" sz="750" dirty="0"/>
+                <a:t>제품</a:t>
+              </a:r>
+              <a:r>
+                <a:rPr lang="en-US" altLang="ko-KR" sz="750" dirty="0"/>
+                <a:t>ID /</a:t>
+              </a:r>
+              <a:r>
+                <a:rPr lang="ko-KR" altLang="en-US" sz="750" dirty="0"/>
+                <a:t>개수</a:t>
+              </a:r>
+              <a:r>
+                <a:rPr lang="en-US" altLang="ko-KR" sz="750" dirty="0"/>
+                <a:t>:</a:t>
+              </a:r>
+              <a:r>
+                <a:rPr lang="ko-KR" altLang="en-US" sz="750" dirty="0"/>
+                <a:t>불량</a:t>
+              </a:r>
+              <a:r>
+                <a:rPr lang="en-US" altLang="ko-KR" sz="750" dirty="0"/>
+                <a:t>/</a:t>
+              </a:r>
+              <a:r>
+                <a:rPr lang="ko-KR" altLang="en-US" sz="750" dirty="0"/>
+                <a:t>직원</a:t>
+              </a:r>
+              <a:r>
+                <a:rPr lang="en-US" altLang="ko-KR" sz="750" dirty="0"/>
+                <a:t>ID</a:t>
+              </a:r>
+              <a:endParaRPr lang="ko-KR" altLang="en-US" sz="750" dirty="0"/>
+            </a:p>
+          </p:txBody>
+        </p:sp>
+        <p:sp>
+          <p:nvSpPr>
+            <p:cNvPr id="40" name="TextBox 39">
+              <a:extLst>
+                <a:ext uri="{FF2B5EF4-FFF2-40B4-BE49-F238E27FC236}">
+                  <a16:creationId xmlns:a16="http://schemas.microsoft.com/office/drawing/2014/main" id="{D5E70DF0-C2BC-4894-98EF-F843630361FF}"/>
+                </a:ext>
+              </a:extLst>
+            </p:cNvPr>
+            <p:cNvSpPr txBox="1"/>
+            <p:nvPr/>
+          </p:nvSpPr>
+          <p:spPr>
+            <a:xfrm>
+              <a:off x="5201872" y="3956886"/>
+              <a:ext cx="2006742" cy="207749"/>
+            </a:xfrm>
+            <a:prstGeom prst="rect">
+              <a:avLst/>
+            </a:prstGeom>
+            <a:noFill/>
+          </p:spPr>
+          <p:txBody>
+            <a:bodyPr wrap="square" rtlCol="0">
+              <a:spAutoFit/>
+            </a:bodyPr>
+            <a:lstStyle/>
+            <a:p>
+              <a:r>
+                <a:rPr lang="en-US" altLang="ko-KR" sz="750" dirty="0"/>
+                <a:t>15:02:00  /30001  /8  : 2     /20001</a:t>
+              </a:r>
+              <a:endParaRPr lang="ko-KR" altLang="en-US" sz="750" dirty="0"/>
+            </a:p>
+          </p:txBody>
+        </p:sp>
+        <p:sp>
+          <p:nvSpPr>
+            <p:cNvPr id="41" name="TextBox 40">
+              <a:extLst>
+                <a:ext uri="{FF2B5EF4-FFF2-40B4-BE49-F238E27FC236}">
+                  <a16:creationId xmlns:a16="http://schemas.microsoft.com/office/drawing/2014/main" id="{CDA9F1B5-26BC-404B-AC15-D8BE1C7B83B0}"/>
+                </a:ext>
+              </a:extLst>
+            </p:cNvPr>
+            <p:cNvSpPr txBox="1"/>
+            <p:nvPr/>
+          </p:nvSpPr>
+          <p:spPr>
+            <a:xfrm>
+              <a:off x="5201872" y="4090121"/>
+              <a:ext cx="2006742" cy="207749"/>
+            </a:xfrm>
+            <a:prstGeom prst="rect">
+              <a:avLst/>
+            </a:prstGeom>
+            <a:noFill/>
+          </p:spPr>
+          <p:txBody>
+            <a:bodyPr wrap="square" rtlCol="0">
+              <a:spAutoFit/>
+            </a:bodyPr>
+            <a:lstStyle/>
+            <a:p>
+              <a:r>
+                <a:rPr lang="en-US" altLang="ko-KR" sz="750" dirty="0"/>
+                <a:t>15:02:05  /30001  /6  : 1     /20001</a:t>
+              </a:r>
+              <a:endParaRPr lang="ko-KR" altLang="en-US" sz="750" dirty="0"/>
+            </a:p>
+          </p:txBody>
+        </p:sp>
+        <p:sp>
+          <p:nvSpPr>
+            <p:cNvPr id="42" name="TextBox 41">
+              <a:extLst>
+                <a:ext uri="{FF2B5EF4-FFF2-40B4-BE49-F238E27FC236}">
+                  <a16:creationId xmlns:a16="http://schemas.microsoft.com/office/drawing/2014/main" id="{ACE1CB02-7520-4F64-B932-485E2A1BA404}"/>
+                </a:ext>
+              </a:extLst>
+            </p:cNvPr>
+            <p:cNvSpPr txBox="1"/>
+            <p:nvPr/>
+          </p:nvSpPr>
+          <p:spPr>
+            <a:xfrm>
+              <a:off x="5201871" y="4216691"/>
+              <a:ext cx="2006742" cy="207749"/>
+            </a:xfrm>
+            <a:prstGeom prst="rect">
+              <a:avLst/>
+            </a:prstGeom>
+            <a:noFill/>
+          </p:spPr>
+          <p:txBody>
+            <a:bodyPr wrap="square" rtlCol="0">
+              <a:spAutoFit/>
+            </a:bodyPr>
+            <a:lstStyle/>
+            <a:p>
+              <a:r>
+                <a:rPr lang="en-US" altLang="ko-KR" sz="750" dirty="0"/>
+                <a:t>15:02:10  /30001  /2  : 0     /20001</a:t>
+              </a:r>
+              <a:endParaRPr lang="ko-KR" altLang="en-US" sz="750" dirty="0"/>
+            </a:p>
+          </p:txBody>
+        </p:sp>
+        <p:sp>
+          <p:nvSpPr>
+            <p:cNvPr id="44" name="TextBox 43">
+              <a:extLst>
+                <a:ext uri="{FF2B5EF4-FFF2-40B4-BE49-F238E27FC236}">
+                  <a16:creationId xmlns:a16="http://schemas.microsoft.com/office/drawing/2014/main" id="{875A923A-24D8-4B01-BF13-CFBF76A27A47}"/>
+                </a:ext>
+              </a:extLst>
+            </p:cNvPr>
+            <p:cNvSpPr txBox="1"/>
+            <p:nvPr/>
+          </p:nvSpPr>
+          <p:spPr>
+            <a:xfrm>
+              <a:off x="5204360" y="4343433"/>
+              <a:ext cx="2006742" cy="207749"/>
+            </a:xfrm>
+            <a:prstGeom prst="rect">
+              <a:avLst/>
+            </a:prstGeom>
+            <a:noFill/>
+          </p:spPr>
+          <p:txBody>
+            <a:bodyPr wrap="square" rtlCol="0">
+              <a:spAutoFit/>
+            </a:bodyPr>
+            <a:lstStyle/>
+            <a:p>
+              <a:r>
+                <a:rPr lang="en-US" altLang="ko-KR" sz="750" dirty="0"/>
+                <a:t>16:30:10  /30001  /3  : 0     /20001</a:t>
+              </a:r>
+              <a:endParaRPr lang="ko-KR" altLang="en-US" sz="750" dirty="0"/>
+            </a:p>
+          </p:txBody>
+        </p:sp>
+      </p:grpSp>
+      <p:sp>
+        <p:nvSpPr>
+          <p:cNvPr id="45" name="TextBox 44">
+            <a:extLst>
+              <a:ext uri="{FF2B5EF4-FFF2-40B4-BE49-F238E27FC236}">
+                <a16:creationId xmlns:a16="http://schemas.microsoft.com/office/drawing/2014/main" id="{ECC61D3D-2761-4119-8DA7-1D60465D9594}"/>
+              </a:ext>
+            </a:extLst>
+          </p:cNvPr>
+          <p:cNvSpPr txBox="1"/>
+          <p:nvPr/>
+        </p:nvSpPr>
+        <p:spPr>
+          <a:xfrm>
+            <a:off x="7043262" y="5463302"/>
+            <a:ext cx="313213" cy="215444"/>
+          </a:xfrm>
+          <a:prstGeom prst="rect">
+            <a:avLst/>
+          </a:prstGeom>
+          <a:solidFill>
+            <a:srgbClr val="F0F0F0"/>
+          </a:solidFill>
+        </p:spPr>
+        <p:txBody>
+          <a:bodyPr wrap="square" rtlCol="0">
+            <a:spAutoFit/>
+          </a:bodyPr>
+          <a:lstStyle/>
+          <a:p>
+            <a:r>
+              <a:rPr lang="en-US" altLang="ko-KR" sz="800" dirty="0"/>
+              <a:t>24</a:t>
+            </a:r>
+            <a:endParaRPr lang="ko-KR" altLang="en-US" sz="800" dirty="0"/>
+          </a:p>
+        </p:txBody>
+      </p:sp>
+      <p:sp>
+        <p:nvSpPr>
+          <p:cNvPr id="46" name="TextBox 45">
+            <a:extLst>
+              <a:ext uri="{FF2B5EF4-FFF2-40B4-BE49-F238E27FC236}">
+                <a16:creationId xmlns:a16="http://schemas.microsoft.com/office/drawing/2014/main" id="{4AE72C02-04FD-4E95-B63C-4EF8665D77E9}"/>
+              </a:ext>
+            </a:extLst>
+          </p:cNvPr>
+          <p:cNvSpPr txBox="1"/>
+          <p:nvPr/>
+        </p:nvSpPr>
+        <p:spPr>
+          <a:xfrm>
+            <a:off x="7073041" y="5624403"/>
+            <a:ext cx="283434" cy="215444"/>
+          </a:xfrm>
+          <a:prstGeom prst="rect">
+            <a:avLst/>
+          </a:prstGeom>
+          <a:solidFill>
+            <a:srgbClr val="F0F0F0"/>
+          </a:solidFill>
+        </p:spPr>
+        <p:txBody>
+          <a:bodyPr wrap="square" rtlCol="0">
+            <a:spAutoFit/>
+          </a:bodyPr>
+          <a:lstStyle/>
+          <a:p>
+            <a:r>
+              <a:rPr lang="en-US" altLang="ko-KR" sz="800" dirty="0"/>
+              <a:t>4</a:t>
+            </a:r>
+            <a:endParaRPr lang="ko-KR" altLang="en-US" sz="800" dirty="0"/>
+          </a:p>
+        </p:txBody>
+      </p:sp>
+      <p:sp>
+        <p:nvSpPr>
+          <p:cNvPr id="47" name="TextBox 46">
+            <a:extLst>
+              <a:ext uri="{FF2B5EF4-FFF2-40B4-BE49-F238E27FC236}">
+                <a16:creationId xmlns:a16="http://schemas.microsoft.com/office/drawing/2014/main" id="{25ABC7FF-1612-469C-ABBC-1F1473D5846A}"/>
+              </a:ext>
+            </a:extLst>
+          </p:cNvPr>
+          <p:cNvSpPr txBox="1"/>
+          <p:nvPr/>
+        </p:nvSpPr>
+        <p:spPr>
+          <a:xfrm>
+            <a:off x="7043262" y="5823227"/>
+            <a:ext cx="313213" cy="215444"/>
+          </a:xfrm>
+          <a:prstGeom prst="rect">
+            <a:avLst/>
+          </a:prstGeom>
+          <a:solidFill>
+            <a:srgbClr val="F0F0F0"/>
+          </a:solidFill>
+        </p:spPr>
+        <p:txBody>
+          <a:bodyPr wrap="square" rtlCol="0">
+            <a:spAutoFit/>
+          </a:bodyPr>
+          <a:lstStyle/>
+          <a:p>
+            <a:r>
+              <a:rPr lang="en-US" altLang="ko-KR" sz="800" dirty="0"/>
+              <a:t>16</a:t>
+            </a:r>
+            <a:endParaRPr lang="ko-KR" altLang="en-US" sz="800" dirty="0"/>
+          </a:p>
+        </p:txBody>
+      </p:sp>
+      <p:sp>
+        <p:nvSpPr>
+          <p:cNvPr id="48" name="TextBox 47">
+            <a:extLst>
+              <a:ext uri="{FF2B5EF4-FFF2-40B4-BE49-F238E27FC236}">
+                <a16:creationId xmlns:a16="http://schemas.microsoft.com/office/drawing/2014/main" id="{16AD1837-525E-4955-BA28-2E78EC98AB1C}"/>
+              </a:ext>
+            </a:extLst>
+          </p:cNvPr>
+          <p:cNvSpPr txBox="1"/>
+          <p:nvPr/>
+        </p:nvSpPr>
+        <p:spPr>
+          <a:xfrm>
+            <a:off x="7736235" y="572696"/>
+            <a:ext cx="1214141" cy="369332"/>
+          </a:xfrm>
+          <a:prstGeom prst="rect">
+            <a:avLst/>
+          </a:prstGeom>
+          <a:solidFill>
+            <a:schemeClr val="bg1"/>
+          </a:solidFill>
+          <a:ln>
+            <a:solidFill>
+              <a:srgbClr val="FF0000"/>
+            </a:solidFill>
+          </a:ln>
+        </p:spPr>
+        <p:txBody>
+          <a:bodyPr wrap="square" rtlCol="0">
+            <a:spAutoFit/>
+          </a:bodyPr>
+          <a:lstStyle/>
+          <a:p>
+            <a:r>
+              <a:rPr lang="ko-KR" altLang="en-US">
+                <a:solidFill>
+                  <a:srgbClr val="FF0000"/>
+                </a:solidFill>
+              </a:rPr>
+              <a:t>직원 </a:t>
+            </a:r>
+            <a:r>
+              <a:rPr lang="ko-KR" altLang="en-US" dirty="0">
+                <a:solidFill>
+                  <a:srgbClr val="FF0000"/>
+                </a:solidFill>
+              </a:rPr>
+              <a:t>화면</a:t>
+            </a:r>
+          </a:p>
+        </p:txBody>
+      </p:sp>
     </p:spTree>
     <p:extLst>
       <p:ext uri="{BB962C8B-B14F-4D97-AF65-F5344CB8AC3E}">
         <p14:creationId xmlns:p14="http://schemas.microsoft.com/office/powerpoint/2010/main" val="3297311891"/>
+      </p:ext>
+    </p:extLst>
+  </p:cSld>
+  <p:clrMapOvr>
+    <a:masterClrMapping/>
+  </p:clrMapOvr>
+</p:sld>
+</file>
+
+<file path=ppt/slides/slide14.xml><?xml version="1.0" encoding="utf-8"?>
+<p:sld xmlns:a="http://schemas.openxmlformats.org/drawingml/2006/main" xmlns:r="http://schemas.openxmlformats.org/officeDocument/2006/relationships" xmlns:p="http://schemas.openxmlformats.org/presentationml/2006/main">
+  <p:cSld>
+    <p:spTree>
+      <p:nvGrpSpPr>
+        <p:cNvPr id="1" name=""/>
+        <p:cNvGrpSpPr/>
+        <p:nvPr/>
+      </p:nvGrpSpPr>
+      <p:grpSpPr>
+        <a:xfrm>
+          <a:off x="0" y="0"/>
+          <a:ext cx="0" cy="0"/>
+          <a:chOff x="0" y="0"/>
+          <a:chExt cx="0" cy="0"/>
+        </a:xfrm>
+      </p:grpSpPr>
+      <p:sp>
+        <p:nvSpPr>
+          <p:cNvPr id="2" name="제목 1">
+            <a:extLst>
+              <a:ext uri="{FF2B5EF4-FFF2-40B4-BE49-F238E27FC236}">
+                <a16:creationId xmlns:a16="http://schemas.microsoft.com/office/drawing/2014/main" id="{13C60FC0-5E3D-4404-8558-F4ACD3174F18}"/>
+              </a:ext>
+            </a:extLst>
+          </p:cNvPr>
+          <p:cNvSpPr>
+            <a:spLocks noGrp="1"/>
+          </p:cNvSpPr>
+          <p:nvPr>
+            <p:ph type="title"/>
+          </p:nvPr>
+        </p:nvSpPr>
+        <p:spPr>
+          <a:xfrm>
+            <a:off x="637837" y="183044"/>
+            <a:ext cx="6205126" cy="216000"/>
+          </a:xfrm>
+        </p:spPr>
+        <p:txBody>
+          <a:bodyPr/>
+          <a:lstStyle/>
+          <a:p>
+            <a:r>
+              <a:rPr lang="ko-KR" altLang="en-US" dirty="0"/>
+              <a:t>기계 불량률 알람 </a:t>
+            </a:r>
+            <a:r>
+              <a:rPr lang="en-US" altLang="ko-KR" dirty="0"/>
+              <a:t>– </a:t>
+            </a:r>
+            <a:r>
+              <a:rPr lang="ko-KR" altLang="en-US" dirty="0"/>
+              <a:t>내 정보 </a:t>
+            </a:r>
+            <a:r>
+              <a:rPr lang="en-US" altLang="ko-KR" dirty="0"/>
+              <a:t>(</a:t>
+            </a:r>
+            <a:r>
+              <a:rPr lang="ko-KR" altLang="en-US" dirty="0"/>
+              <a:t>공통</a:t>
+            </a:r>
+            <a:r>
+              <a:rPr lang="en-US" altLang="ko-KR" dirty="0"/>
+              <a:t>)</a:t>
+            </a:r>
+            <a:endParaRPr lang="ko-KR" altLang="en-US" dirty="0"/>
+          </a:p>
+        </p:txBody>
+      </p:sp>
+      <p:sp>
+        <p:nvSpPr>
+          <p:cNvPr id="3" name="텍스트 개체 틀 2">
+            <a:extLst>
+              <a:ext uri="{FF2B5EF4-FFF2-40B4-BE49-F238E27FC236}">
+                <a16:creationId xmlns:a16="http://schemas.microsoft.com/office/drawing/2014/main" id="{D9985509-9B95-4992-8F66-6FC814B674E9}"/>
+              </a:ext>
+            </a:extLst>
+          </p:cNvPr>
+          <p:cNvSpPr>
+            <a:spLocks noGrp="1"/>
+          </p:cNvSpPr>
+          <p:nvPr>
+            <p:ph type="body" sz="quarter" idx="10"/>
+          </p:nvPr>
+        </p:nvSpPr>
+        <p:spPr/>
+        <p:txBody>
+          <a:bodyPr/>
+          <a:lstStyle/>
+          <a:p>
+            <a:r>
+              <a:rPr lang="ko-KR" altLang="en-US" dirty="0"/>
+              <a:t>내 정보 조회 및 수정</a:t>
+            </a:r>
+          </a:p>
+        </p:txBody>
+      </p:sp>
+      <p:sp>
+        <p:nvSpPr>
+          <p:cNvPr id="4" name="텍스트 개체 틀 3">
+            <a:extLst>
+              <a:ext uri="{FF2B5EF4-FFF2-40B4-BE49-F238E27FC236}">
+                <a16:creationId xmlns:a16="http://schemas.microsoft.com/office/drawing/2014/main" id="{0DC9AC1C-15A7-47FD-8508-C3CC2B82E753}"/>
+              </a:ext>
+            </a:extLst>
+          </p:cNvPr>
+          <p:cNvSpPr>
+            <a:spLocks noGrp="1"/>
+          </p:cNvSpPr>
+          <p:nvPr>
+            <p:ph type="body" sz="quarter" idx="11"/>
+          </p:nvPr>
+        </p:nvSpPr>
+        <p:spPr/>
+        <p:txBody>
+          <a:bodyPr/>
+          <a:lstStyle/>
+          <a:p>
+            <a:r>
+              <a:rPr lang="en-US" altLang="ko-KR" dirty="0"/>
+              <a:t>2019.10.30</a:t>
+            </a:r>
+          </a:p>
+          <a:p>
+            <a:endParaRPr lang="ko-KR" altLang="en-US" dirty="0"/>
+          </a:p>
+        </p:txBody>
+      </p:sp>
+      <p:sp>
+        <p:nvSpPr>
+          <p:cNvPr id="5" name="텍스트 개체 틀 4">
+            <a:extLst>
+              <a:ext uri="{FF2B5EF4-FFF2-40B4-BE49-F238E27FC236}">
+                <a16:creationId xmlns:a16="http://schemas.microsoft.com/office/drawing/2014/main" id="{59A224EF-7442-4586-9652-25AAB26EB6F5}"/>
+              </a:ext>
+            </a:extLst>
+          </p:cNvPr>
+          <p:cNvSpPr>
+            <a:spLocks noGrp="1"/>
+          </p:cNvSpPr>
+          <p:nvPr>
+            <p:ph type="body" sz="quarter" idx="12"/>
+          </p:nvPr>
+        </p:nvSpPr>
+        <p:spPr/>
+        <p:txBody>
+          <a:bodyPr/>
+          <a:lstStyle/>
+          <a:p>
+            <a:r>
+              <a:rPr lang="ko-KR" altLang="en-US" dirty="0"/>
+              <a:t>신소연</a:t>
+            </a:r>
+          </a:p>
+          <a:p>
+            <a:endParaRPr lang="ko-KR" altLang="en-US" dirty="0"/>
+          </a:p>
+        </p:txBody>
+      </p:sp>
+      <p:pic>
+        <p:nvPicPr>
+          <p:cNvPr id="8" name="그림 7" descr="스크린샷이(가) 표시된 사진&#10;&#10;자동 생성된 설명">
+            <a:extLst>
+              <a:ext uri="{FF2B5EF4-FFF2-40B4-BE49-F238E27FC236}">
+                <a16:creationId xmlns:a16="http://schemas.microsoft.com/office/drawing/2014/main" id="{27FA198E-F0F4-4734-BEF9-216FAD5D1E5D}"/>
+              </a:ext>
+            </a:extLst>
+          </p:cNvPr>
+          <p:cNvPicPr>
+            <a:picLocks noChangeAspect="1"/>
+          </p:cNvPicPr>
+          <p:nvPr/>
+        </p:nvPicPr>
+        <p:blipFill rotWithShape="1">
+          <a:blip r:embed="rId2">
+            <a:extLst>
+              <a:ext uri="{28A0092B-C50C-407E-A947-70E740481C1C}">
+                <a14:useLocalDpi xmlns:a14="http://schemas.microsoft.com/office/drawing/2010/main" val="0"/>
+              </a:ext>
+            </a:extLst>
+          </a:blip>
+          <a:srcRect l="51192" b="36513"/>
+          <a:stretch/>
+        </p:blipFill>
+        <p:spPr>
+          <a:xfrm>
+            <a:off x="549464" y="613740"/>
+            <a:ext cx="2803336" cy="727454"/>
+          </a:xfrm>
+          <a:prstGeom prst="rect">
+            <a:avLst/>
+          </a:prstGeom>
+        </p:spPr>
+      </p:pic>
+      <p:pic>
+        <p:nvPicPr>
+          <p:cNvPr id="10" name="그림 9" descr="스크린샷이(가) 표시된 사진&#10;&#10;자동 생성된 설명">
+            <a:extLst>
+              <a:ext uri="{FF2B5EF4-FFF2-40B4-BE49-F238E27FC236}">
+                <a16:creationId xmlns:a16="http://schemas.microsoft.com/office/drawing/2014/main" id="{E453599A-BA0A-4CAD-BAE9-12EC498553E8}"/>
+              </a:ext>
+            </a:extLst>
+          </p:cNvPr>
+          <p:cNvPicPr>
+            <a:picLocks noChangeAspect="1"/>
+          </p:cNvPicPr>
+          <p:nvPr/>
+        </p:nvPicPr>
+        <p:blipFill>
+          <a:blip r:embed="rId3">
+            <a:extLst>
+              <a:ext uri="{28A0092B-C50C-407E-A947-70E740481C1C}">
+                <a14:useLocalDpi xmlns:a14="http://schemas.microsoft.com/office/drawing/2010/main" val="0"/>
+              </a:ext>
+            </a:extLst>
+          </a:blip>
+          <a:stretch>
+            <a:fillRect/>
+          </a:stretch>
+        </p:blipFill>
+        <p:spPr>
+          <a:xfrm>
+            <a:off x="549464" y="1765408"/>
+            <a:ext cx="6860986" cy="4478851"/>
+          </a:xfrm>
+          <a:prstGeom prst="rect">
+            <a:avLst/>
+          </a:prstGeom>
+        </p:spPr>
+      </p:pic>
+      <p:sp>
+        <p:nvSpPr>
+          <p:cNvPr id="13" name="직사각형 12">
+            <a:extLst>
+              <a:ext uri="{FF2B5EF4-FFF2-40B4-BE49-F238E27FC236}">
+                <a16:creationId xmlns:a16="http://schemas.microsoft.com/office/drawing/2014/main" id="{3E20E4AE-C468-4E5E-91A2-96786DD9F53C}"/>
+              </a:ext>
+            </a:extLst>
+          </p:cNvPr>
+          <p:cNvSpPr/>
+          <p:nvPr/>
+        </p:nvSpPr>
+        <p:spPr>
+          <a:xfrm>
+            <a:off x="637837" y="895658"/>
+            <a:ext cx="2151083" cy="393646"/>
+          </a:xfrm>
+          <a:prstGeom prst="rect">
+            <a:avLst/>
+          </a:prstGeom>
+          <a:noFill/>
+          <a:ln w="28575">
+            <a:solidFill>
+              <a:srgbClr val="FF0000"/>
+            </a:solidFill>
+          </a:ln>
+        </p:spPr>
+        <p:style>
+          <a:lnRef idx="2">
+            <a:schemeClr val="accent1">
+              <a:shade val="50000"/>
+            </a:schemeClr>
+          </a:lnRef>
+          <a:fillRef idx="1">
+            <a:schemeClr val="accent1"/>
+          </a:fillRef>
+          <a:effectRef idx="0">
+            <a:schemeClr val="accent1"/>
+          </a:effectRef>
+          <a:fontRef idx="minor">
+            <a:schemeClr val="lt1"/>
+          </a:fontRef>
+        </p:style>
+        <p:txBody>
+          <a:bodyPr rtlCol="0" anchor="ctr"/>
+          <a:lstStyle/>
+          <a:p>
+            <a:pPr algn="ctr"/>
+            <a:endParaRPr lang="ko-KR" altLang="en-US" dirty="0"/>
+          </a:p>
+        </p:txBody>
+      </p:sp>
+      <p:sp>
+        <p:nvSpPr>
+          <p:cNvPr id="14" name="직사각형 13">
+            <a:extLst>
+              <a:ext uri="{FF2B5EF4-FFF2-40B4-BE49-F238E27FC236}">
+                <a16:creationId xmlns:a16="http://schemas.microsoft.com/office/drawing/2014/main" id="{DC576E69-46FF-4232-9075-F0DAC90F08DC}"/>
+              </a:ext>
+            </a:extLst>
+          </p:cNvPr>
+          <p:cNvSpPr/>
+          <p:nvPr/>
+        </p:nvSpPr>
+        <p:spPr>
+          <a:xfrm>
+            <a:off x="506520" y="1765408"/>
+            <a:ext cx="6903930" cy="4478852"/>
+          </a:xfrm>
+          <a:prstGeom prst="rect">
+            <a:avLst/>
+          </a:prstGeom>
+          <a:noFill/>
+          <a:ln w="28575">
+            <a:solidFill>
+              <a:srgbClr val="FF0000"/>
+            </a:solidFill>
+          </a:ln>
+        </p:spPr>
+        <p:style>
+          <a:lnRef idx="2">
+            <a:schemeClr val="accent1">
+              <a:shade val="50000"/>
+            </a:schemeClr>
+          </a:lnRef>
+          <a:fillRef idx="1">
+            <a:schemeClr val="accent1"/>
+          </a:fillRef>
+          <a:effectRef idx="0">
+            <a:schemeClr val="accent1"/>
+          </a:effectRef>
+          <a:fontRef idx="minor">
+            <a:schemeClr val="lt1"/>
+          </a:fontRef>
+        </p:style>
+        <p:txBody>
+          <a:bodyPr rtlCol="0" anchor="ctr"/>
+          <a:lstStyle/>
+          <a:p>
+            <a:pPr algn="ctr"/>
+            <a:endParaRPr lang="ko-KR" altLang="en-US" dirty="0"/>
+          </a:p>
+        </p:txBody>
+      </p:sp>
+      <p:sp>
+        <p:nvSpPr>
+          <p:cNvPr id="15" name="직사각형 14">
+            <a:extLst>
+              <a:ext uri="{FF2B5EF4-FFF2-40B4-BE49-F238E27FC236}">
+                <a16:creationId xmlns:a16="http://schemas.microsoft.com/office/drawing/2014/main" id="{2766E05E-D8E6-49C3-9A6D-975BB58AED72}"/>
+              </a:ext>
+            </a:extLst>
+          </p:cNvPr>
+          <p:cNvSpPr/>
+          <p:nvPr/>
+        </p:nvSpPr>
+        <p:spPr>
+          <a:xfrm>
+            <a:off x="5116687" y="5749322"/>
+            <a:ext cx="803650" cy="232378"/>
+          </a:xfrm>
+          <a:prstGeom prst="rect">
+            <a:avLst/>
+          </a:prstGeom>
+          <a:noFill/>
+          <a:ln w="28575">
+            <a:solidFill>
+              <a:srgbClr val="FF0000"/>
+            </a:solidFill>
+          </a:ln>
+        </p:spPr>
+        <p:style>
+          <a:lnRef idx="2">
+            <a:schemeClr val="accent1">
+              <a:shade val="50000"/>
+            </a:schemeClr>
+          </a:lnRef>
+          <a:fillRef idx="1">
+            <a:schemeClr val="accent1"/>
+          </a:fillRef>
+          <a:effectRef idx="0">
+            <a:schemeClr val="accent1"/>
+          </a:effectRef>
+          <a:fontRef idx="minor">
+            <a:schemeClr val="lt1"/>
+          </a:fontRef>
+        </p:style>
+        <p:txBody>
+          <a:bodyPr rtlCol="0" anchor="ctr"/>
+          <a:lstStyle/>
+          <a:p>
+            <a:pPr algn="ctr"/>
+            <a:endParaRPr lang="ko-KR" altLang="en-US" dirty="0"/>
+          </a:p>
+        </p:txBody>
+      </p:sp>
+      <p:sp>
+        <p:nvSpPr>
+          <p:cNvPr id="16" name="직사각형 15">
+            <a:extLst>
+              <a:ext uri="{FF2B5EF4-FFF2-40B4-BE49-F238E27FC236}">
+                <a16:creationId xmlns:a16="http://schemas.microsoft.com/office/drawing/2014/main" id="{4584C205-F198-408F-BF81-3BC9A4964F9F}"/>
+              </a:ext>
+            </a:extLst>
+          </p:cNvPr>
+          <p:cNvSpPr/>
+          <p:nvPr/>
+        </p:nvSpPr>
+        <p:spPr>
+          <a:xfrm>
+            <a:off x="6225801" y="5749322"/>
+            <a:ext cx="803650" cy="232378"/>
+          </a:xfrm>
+          <a:prstGeom prst="rect">
+            <a:avLst/>
+          </a:prstGeom>
+          <a:noFill/>
+          <a:ln w="28575">
+            <a:solidFill>
+              <a:srgbClr val="FF0000"/>
+            </a:solidFill>
+          </a:ln>
+        </p:spPr>
+        <p:style>
+          <a:lnRef idx="2">
+            <a:schemeClr val="accent1">
+              <a:shade val="50000"/>
+            </a:schemeClr>
+          </a:lnRef>
+          <a:fillRef idx="1">
+            <a:schemeClr val="accent1"/>
+          </a:fillRef>
+          <a:effectRef idx="0">
+            <a:schemeClr val="accent1"/>
+          </a:effectRef>
+          <a:fontRef idx="minor">
+            <a:schemeClr val="lt1"/>
+          </a:fontRef>
+        </p:style>
+        <p:txBody>
+          <a:bodyPr rtlCol="0" anchor="ctr"/>
+          <a:lstStyle/>
+          <a:p>
+            <a:pPr algn="ctr"/>
+            <a:endParaRPr lang="ko-KR" altLang="en-US" dirty="0"/>
+          </a:p>
+        </p:txBody>
+      </p:sp>
+      <p:sp>
+        <p:nvSpPr>
+          <p:cNvPr id="18" name="TextBox 17">
+            <a:extLst>
+              <a:ext uri="{FF2B5EF4-FFF2-40B4-BE49-F238E27FC236}">
+                <a16:creationId xmlns:a16="http://schemas.microsoft.com/office/drawing/2014/main" id="{CB8D4762-4B40-4407-BB05-EFDAE8BDC299}"/>
+              </a:ext>
+            </a:extLst>
+          </p:cNvPr>
+          <p:cNvSpPr txBox="1"/>
+          <p:nvPr/>
+        </p:nvSpPr>
+        <p:spPr>
+          <a:xfrm>
+            <a:off x="1429017" y="594534"/>
+            <a:ext cx="364202" cy="307777"/>
+          </a:xfrm>
+          <a:prstGeom prst="rect">
+            <a:avLst/>
+          </a:prstGeom>
+        </p:spPr>
+        <p:txBody>
+          <a:bodyPr wrap="none" rtlCol="0">
+            <a:spAutoFit/>
+          </a:bodyPr>
+          <a:lstStyle/>
+          <a:p>
+            <a:r>
+              <a:rPr lang="ko-KR" altLang="en-US" sz="1400" b="1" dirty="0">
+                <a:solidFill>
+                  <a:srgbClr val="FF0000"/>
+                </a:solidFill>
+              </a:rPr>
+              <a:t>①</a:t>
+            </a:r>
+          </a:p>
+        </p:txBody>
+      </p:sp>
+      <p:sp>
+        <p:nvSpPr>
+          <p:cNvPr id="19" name="TextBox 18">
+            <a:extLst>
+              <a:ext uri="{FF2B5EF4-FFF2-40B4-BE49-F238E27FC236}">
+                <a16:creationId xmlns:a16="http://schemas.microsoft.com/office/drawing/2014/main" id="{67B5F421-02E9-484B-ADB3-D805A405B11F}"/>
+              </a:ext>
+            </a:extLst>
+          </p:cNvPr>
+          <p:cNvSpPr txBox="1"/>
+          <p:nvPr/>
+        </p:nvSpPr>
+        <p:spPr>
+          <a:xfrm>
+            <a:off x="3376198" y="1455774"/>
+            <a:ext cx="364202" cy="307777"/>
+          </a:xfrm>
+          <a:prstGeom prst="rect">
+            <a:avLst/>
+          </a:prstGeom>
+        </p:spPr>
+        <p:txBody>
+          <a:bodyPr wrap="none" rtlCol="0">
+            <a:spAutoFit/>
+          </a:bodyPr>
+          <a:lstStyle/>
+          <a:p>
+            <a:r>
+              <a:rPr lang="ko-KR" altLang="en-US" sz="1400" b="1" dirty="0">
+                <a:solidFill>
+                  <a:srgbClr val="FF0000"/>
+                </a:solidFill>
+              </a:rPr>
+              <a:t>②</a:t>
+            </a:r>
+          </a:p>
+        </p:txBody>
+      </p:sp>
+      <p:sp>
+        <p:nvSpPr>
+          <p:cNvPr id="21" name="TextBox 20">
+            <a:extLst>
+              <a:ext uri="{FF2B5EF4-FFF2-40B4-BE49-F238E27FC236}">
+                <a16:creationId xmlns:a16="http://schemas.microsoft.com/office/drawing/2014/main" id="{EF7C33D6-58B1-4FF8-B565-4479A6BBBFE5}"/>
+              </a:ext>
+            </a:extLst>
+          </p:cNvPr>
+          <p:cNvSpPr txBox="1"/>
+          <p:nvPr/>
+        </p:nvSpPr>
+        <p:spPr>
+          <a:xfrm>
+            <a:off x="6139836" y="5383327"/>
+            <a:ext cx="364202" cy="307777"/>
+          </a:xfrm>
+          <a:prstGeom prst="rect">
+            <a:avLst/>
+          </a:prstGeom>
+        </p:spPr>
+        <p:txBody>
+          <a:bodyPr wrap="none" rtlCol="0">
+            <a:spAutoFit/>
+          </a:bodyPr>
+          <a:lstStyle/>
+          <a:p>
+            <a:r>
+              <a:rPr lang="ko-KR" altLang="en-US" sz="1400" b="1" dirty="0">
+                <a:solidFill>
+                  <a:srgbClr val="FF0000"/>
+                </a:solidFill>
+              </a:rPr>
+              <a:t>④</a:t>
+            </a:r>
+          </a:p>
+        </p:txBody>
+      </p:sp>
+      <p:sp>
+        <p:nvSpPr>
+          <p:cNvPr id="23" name="TextBox 22">
+            <a:extLst>
+              <a:ext uri="{FF2B5EF4-FFF2-40B4-BE49-F238E27FC236}">
+                <a16:creationId xmlns:a16="http://schemas.microsoft.com/office/drawing/2014/main" id="{F5B1889D-BF24-4D90-8DD6-AAA7306B11B0}"/>
+              </a:ext>
+            </a:extLst>
+          </p:cNvPr>
+          <p:cNvSpPr txBox="1"/>
+          <p:nvPr/>
+        </p:nvSpPr>
+        <p:spPr>
+          <a:xfrm>
+            <a:off x="5110699" y="5383326"/>
+            <a:ext cx="364202" cy="307777"/>
+          </a:xfrm>
+          <a:prstGeom prst="rect">
+            <a:avLst/>
+          </a:prstGeom>
+        </p:spPr>
+        <p:txBody>
+          <a:bodyPr wrap="none" rtlCol="0">
+            <a:spAutoFit/>
+          </a:bodyPr>
+          <a:lstStyle/>
+          <a:p>
+            <a:r>
+              <a:rPr lang="ko-KR" altLang="en-US" sz="1400" b="1" dirty="0">
+                <a:solidFill>
+                  <a:srgbClr val="FF0000"/>
+                </a:solidFill>
+              </a:rPr>
+              <a:t>③</a:t>
+            </a:r>
+          </a:p>
+        </p:txBody>
+      </p:sp>
+      <p:sp>
+        <p:nvSpPr>
+          <p:cNvPr id="25" name="TextBox 24">
+            <a:extLst>
+              <a:ext uri="{FF2B5EF4-FFF2-40B4-BE49-F238E27FC236}">
+                <a16:creationId xmlns:a16="http://schemas.microsoft.com/office/drawing/2014/main" id="{2ED04414-CFEE-4F01-BE3F-C14A26F35D09}"/>
+              </a:ext>
+            </a:extLst>
+          </p:cNvPr>
+          <p:cNvSpPr txBox="1"/>
+          <p:nvPr/>
+        </p:nvSpPr>
+        <p:spPr>
+          <a:xfrm>
+            <a:off x="9306603" y="449178"/>
+            <a:ext cx="2641141" cy="2766270"/>
+          </a:xfrm>
+          <a:prstGeom prst="rect">
+            <a:avLst/>
+          </a:prstGeom>
+          <a:noFill/>
+          <a:ln>
+            <a:noFill/>
+          </a:ln>
+        </p:spPr>
+        <p:txBody>
+          <a:bodyPr wrap="square" rtlCol="0">
+            <a:spAutoFit/>
+          </a:bodyPr>
+          <a:lstStyle/>
+          <a:p>
+            <a:pPr>
+              <a:lnSpc>
+                <a:spcPct val="150000"/>
+              </a:lnSpc>
+            </a:pPr>
+            <a:r>
+              <a:rPr lang="en-US" altLang="ko-KR" sz="900" dirty="0"/>
+              <a:t>① </a:t>
+            </a:r>
+            <a:r>
+              <a:rPr lang="ko-KR" altLang="en-US" sz="900" dirty="0"/>
+              <a:t>내 정보 메뉴</a:t>
+            </a:r>
+            <a:endParaRPr lang="en-US" altLang="ko-KR" sz="900" dirty="0"/>
+          </a:p>
+          <a:p>
+            <a:pPr marL="171450" indent="-171450">
+              <a:lnSpc>
+                <a:spcPct val="150000"/>
+              </a:lnSpc>
+              <a:buFont typeface="Symbol" panose="05050102010706020507" pitchFamily="18" charset="2"/>
+              <a:buChar char="Þ"/>
+            </a:pPr>
+            <a:r>
+              <a:rPr lang="ko-KR" altLang="en-US" sz="900" dirty="0"/>
+              <a:t>내 정보 폼을 연다</a:t>
+            </a:r>
+            <a:r>
+              <a:rPr lang="en-US" altLang="ko-KR" sz="900" dirty="0"/>
+              <a:t>.</a:t>
+            </a:r>
+          </a:p>
+          <a:p>
+            <a:pPr>
+              <a:lnSpc>
+                <a:spcPct val="150000"/>
+              </a:lnSpc>
+            </a:pPr>
+            <a:endParaRPr lang="en-US" altLang="ko-KR" sz="900" dirty="0"/>
+          </a:p>
+          <a:p>
+            <a:pPr>
+              <a:lnSpc>
+                <a:spcPct val="150000"/>
+              </a:lnSpc>
+            </a:pPr>
+            <a:r>
+              <a:rPr lang="en-US" altLang="ko-KR" sz="900" dirty="0"/>
+              <a:t>② </a:t>
+            </a:r>
+            <a:r>
+              <a:rPr lang="ko-KR" altLang="en-US" sz="900" dirty="0"/>
+              <a:t>내 정보 폼</a:t>
+            </a:r>
+            <a:endParaRPr lang="en-US" altLang="ko-KR" sz="900" dirty="0"/>
+          </a:p>
+          <a:p>
+            <a:pPr marL="171450" indent="-171450">
+              <a:lnSpc>
+                <a:spcPct val="150000"/>
+              </a:lnSpc>
+              <a:buFont typeface="Symbol" panose="05050102010706020507" pitchFamily="18" charset="2"/>
+              <a:buChar char="Þ"/>
+            </a:pPr>
+            <a:r>
+              <a:rPr lang="ko-KR" altLang="en-US" sz="900" dirty="0"/>
+              <a:t>내 정보를 보여주고 수정이 가능한 폼</a:t>
+            </a:r>
+            <a:endParaRPr lang="en-US" altLang="ko-KR" sz="900" dirty="0"/>
+          </a:p>
+          <a:p>
+            <a:pPr>
+              <a:lnSpc>
+                <a:spcPct val="150000"/>
+              </a:lnSpc>
+            </a:pPr>
+            <a:endParaRPr lang="en-US" altLang="ko-KR" sz="900" dirty="0"/>
+          </a:p>
+          <a:p>
+            <a:pPr>
+              <a:lnSpc>
+                <a:spcPct val="150000"/>
+              </a:lnSpc>
+            </a:pPr>
+            <a:r>
+              <a:rPr lang="ko-KR" altLang="en-US" sz="900" dirty="0"/>
+              <a:t>③ 변경 버튼</a:t>
+            </a:r>
+            <a:endParaRPr lang="en-US" altLang="ko-KR" sz="900" dirty="0"/>
+          </a:p>
+          <a:p>
+            <a:pPr marL="171450" indent="-171450">
+              <a:lnSpc>
+                <a:spcPct val="150000"/>
+              </a:lnSpc>
+              <a:buFont typeface="Symbol" panose="05050102010706020507" pitchFamily="18" charset="2"/>
+              <a:buChar char="Þ"/>
+            </a:pPr>
+            <a:r>
+              <a:rPr lang="ko-KR" altLang="en-US" sz="900" dirty="0"/>
+              <a:t>입력된 값들과 </a:t>
+            </a:r>
+            <a:r>
+              <a:rPr lang="ko-KR" altLang="en-US" sz="900" dirty="0" err="1"/>
+              <a:t>정규식</a:t>
+            </a:r>
+            <a:r>
+              <a:rPr lang="en-US" altLang="ko-KR" sz="900" dirty="0"/>
+              <a:t> (</a:t>
+            </a:r>
+            <a:r>
+              <a:rPr lang="ko-KR" altLang="en-US" sz="900" dirty="0"/>
+              <a:t>회원가입시 사용했 던 </a:t>
+            </a:r>
+            <a:r>
+              <a:rPr lang="ko-KR" altLang="en-US" sz="900" dirty="0" err="1"/>
+              <a:t>정규식</a:t>
+            </a:r>
+            <a:r>
+              <a:rPr lang="en-US" altLang="ko-KR" sz="900" dirty="0"/>
+              <a:t>)</a:t>
+            </a:r>
+            <a:r>
+              <a:rPr lang="ko-KR" altLang="en-US" sz="900" dirty="0"/>
+              <a:t> 을 비교해서 </a:t>
+            </a:r>
+            <a:r>
+              <a:rPr lang="en-US" altLang="ko-KR" sz="900" dirty="0" err="1"/>
+              <a:t>EmployeeID</a:t>
+            </a:r>
+            <a:r>
+              <a:rPr lang="ko-KR" altLang="en-US" sz="900" dirty="0"/>
+              <a:t>를 기준으로 테이블을 업데이트 한다</a:t>
+            </a:r>
+            <a:r>
+              <a:rPr lang="en-US" altLang="ko-KR" sz="900" dirty="0"/>
+              <a:t>.</a:t>
+            </a:r>
+          </a:p>
+          <a:p>
+            <a:pPr marL="171450" indent="-171450">
+              <a:lnSpc>
+                <a:spcPct val="150000"/>
+              </a:lnSpc>
+              <a:buFont typeface="Symbol" panose="05050102010706020507" pitchFamily="18" charset="2"/>
+              <a:buChar char="Þ"/>
+            </a:pPr>
+            <a:endParaRPr lang="en-US" altLang="ko-KR" sz="900" dirty="0"/>
+          </a:p>
+          <a:p>
+            <a:pPr>
+              <a:lnSpc>
+                <a:spcPct val="150000"/>
+              </a:lnSpc>
+            </a:pPr>
+            <a:r>
+              <a:rPr lang="en-US" altLang="ko-KR" sz="900" dirty="0"/>
+              <a:t>④ </a:t>
+            </a:r>
+            <a:r>
+              <a:rPr lang="ko-KR" altLang="en-US" sz="900" dirty="0"/>
+              <a:t>취소 버튼</a:t>
+            </a:r>
+            <a:endParaRPr lang="en-US" altLang="ko-KR" sz="900" dirty="0"/>
+          </a:p>
+          <a:p>
+            <a:pPr>
+              <a:lnSpc>
+                <a:spcPct val="150000"/>
+              </a:lnSpc>
+            </a:pPr>
+            <a:r>
+              <a:rPr lang="en-US" altLang="ko-KR" sz="900" dirty="0"/>
+              <a:t>=&gt; </a:t>
+            </a:r>
+            <a:r>
+              <a:rPr lang="ko-KR" altLang="en-US" sz="900" dirty="0"/>
+              <a:t>해당 폼을 끈다</a:t>
+            </a:r>
+            <a:r>
+              <a:rPr lang="en-US" altLang="ko-KR" sz="900" dirty="0"/>
+              <a:t>.</a:t>
+            </a:r>
+          </a:p>
+        </p:txBody>
+      </p:sp>
+      <p:sp>
+        <p:nvSpPr>
+          <p:cNvPr id="6" name="TextBox 5">
+            <a:extLst>
+              <a:ext uri="{FF2B5EF4-FFF2-40B4-BE49-F238E27FC236}">
+                <a16:creationId xmlns:a16="http://schemas.microsoft.com/office/drawing/2014/main" id="{ABCE8679-1444-4486-8C47-610FAADE71DE}"/>
+              </a:ext>
+            </a:extLst>
+          </p:cNvPr>
+          <p:cNvSpPr txBox="1"/>
+          <p:nvPr/>
+        </p:nvSpPr>
+        <p:spPr>
+          <a:xfrm>
+            <a:off x="2320522" y="2524863"/>
+            <a:ext cx="556902" cy="261610"/>
+          </a:xfrm>
+          <a:prstGeom prst="rect">
+            <a:avLst/>
+          </a:prstGeom>
+          <a:solidFill>
+            <a:srgbClr val="F0F0F0"/>
+          </a:solidFill>
+        </p:spPr>
+        <p:txBody>
+          <a:bodyPr wrap="square" rtlCol="0">
+            <a:spAutoFit/>
+          </a:bodyPr>
+          <a:lstStyle/>
+          <a:p>
+            <a:r>
+              <a:rPr lang="en-US" altLang="ko-KR" sz="1100" dirty="0"/>
+              <a:t>emp</a:t>
+            </a:r>
+            <a:endParaRPr lang="ko-KR" altLang="en-US" sz="1100" dirty="0"/>
+          </a:p>
+        </p:txBody>
+      </p:sp>
+      <p:sp>
+        <p:nvSpPr>
+          <p:cNvPr id="7" name="TextBox 6">
+            <a:extLst>
+              <a:ext uri="{FF2B5EF4-FFF2-40B4-BE49-F238E27FC236}">
+                <a16:creationId xmlns:a16="http://schemas.microsoft.com/office/drawing/2014/main" id="{5763F52E-85C2-48E1-931A-C12A472595F3}"/>
+              </a:ext>
+            </a:extLst>
+          </p:cNvPr>
+          <p:cNvSpPr txBox="1"/>
+          <p:nvPr/>
+        </p:nvSpPr>
+        <p:spPr>
+          <a:xfrm>
+            <a:off x="2414798" y="4774468"/>
+            <a:ext cx="1084394" cy="246221"/>
+          </a:xfrm>
+          <a:prstGeom prst="rect">
+            <a:avLst/>
+          </a:prstGeom>
+          <a:solidFill>
+            <a:srgbClr val="FFFFFF"/>
+          </a:solidFill>
+          <a:ln>
+            <a:solidFill>
+              <a:srgbClr val="7D7D7D"/>
+            </a:solidFill>
+          </a:ln>
+        </p:spPr>
+        <p:txBody>
+          <a:bodyPr wrap="square" rtlCol="0">
+            <a:spAutoFit/>
+          </a:bodyPr>
+          <a:lstStyle/>
+          <a:p>
+            <a:r>
+              <a:rPr lang="ko-KR" altLang="en-US" sz="1000">
+                <a:latin typeface="나눔고딕" panose="020D0604000000000000" pitchFamily="50" charset="-127"/>
+                <a:ea typeface="나눔고딕" panose="020D0604000000000000" pitchFamily="50" charset="-127"/>
+              </a:rPr>
+              <a:t>직원</a:t>
+            </a:r>
+          </a:p>
+        </p:txBody>
+      </p:sp>
+      <p:sp>
+        <p:nvSpPr>
+          <p:cNvPr id="20" name="TextBox 19">
+            <a:extLst>
+              <a:ext uri="{FF2B5EF4-FFF2-40B4-BE49-F238E27FC236}">
+                <a16:creationId xmlns:a16="http://schemas.microsoft.com/office/drawing/2014/main" id="{15C1A9A4-AAB8-48F2-A05A-EA5330BB9750}"/>
+              </a:ext>
+            </a:extLst>
+          </p:cNvPr>
+          <p:cNvSpPr txBox="1"/>
+          <p:nvPr/>
+        </p:nvSpPr>
+        <p:spPr>
+          <a:xfrm>
+            <a:off x="2320522" y="5183293"/>
+            <a:ext cx="894024" cy="261610"/>
+          </a:xfrm>
+          <a:prstGeom prst="rect">
+            <a:avLst/>
+          </a:prstGeom>
+          <a:solidFill>
+            <a:srgbClr val="F0F0F0"/>
+          </a:solidFill>
+        </p:spPr>
+        <p:txBody>
+          <a:bodyPr wrap="square" rtlCol="0">
+            <a:spAutoFit/>
+          </a:bodyPr>
+          <a:lstStyle/>
+          <a:p>
+            <a:r>
+              <a:rPr lang="en-US" altLang="ko-KR" sz="1100" dirty="0"/>
+              <a:t>10005</a:t>
+            </a:r>
+            <a:endParaRPr lang="ko-KR" altLang="en-US" sz="1100" dirty="0"/>
+          </a:p>
+        </p:txBody>
+      </p:sp>
+      <p:sp>
+        <p:nvSpPr>
+          <p:cNvPr id="22" name="TextBox 21">
+            <a:extLst>
+              <a:ext uri="{FF2B5EF4-FFF2-40B4-BE49-F238E27FC236}">
+                <a16:creationId xmlns:a16="http://schemas.microsoft.com/office/drawing/2014/main" id="{94F794EC-DBA9-448C-82BF-E97FFF3CE5AB}"/>
+              </a:ext>
+            </a:extLst>
+          </p:cNvPr>
+          <p:cNvSpPr txBox="1"/>
+          <p:nvPr/>
+        </p:nvSpPr>
+        <p:spPr>
+          <a:xfrm>
+            <a:off x="7736235" y="572696"/>
+            <a:ext cx="1214141" cy="369332"/>
+          </a:xfrm>
+          <a:prstGeom prst="rect">
+            <a:avLst/>
+          </a:prstGeom>
+          <a:solidFill>
+            <a:schemeClr val="bg1"/>
+          </a:solidFill>
+          <a:ln>
+            <a:solidFill>
+              <a:srgbClr val="FF0000"/>
+            </a:solidFill>
+          </a:ln>
+        </p:spPr>
+        <p:txBody>
+          <a:bodyPr wrap="square" rtlCol="0">
+            <a:spAutoFit/>
+          </a:bodyPr>
+          <a:lstStyle/>
+          <a:p>
+            <a:r>
+              <a:rPr lang="ko-KR" altLang="en-US">
+                <a:solidFill>
+                  <a:srgbClr val="FF0000"/>
+                </a:solidFill>
+              </a:rPr>
+              <a:t>직원 </a:t>
+            </a:r>
+            <a:r>
+              <a:rPr lang="ko-KR" altLang="en-US" dirty="0">
+                <a:solidFill>
+                  <a:srgbClr val="FF0000"/>
+                </a:solidFill>
+              </a:rPr>
+              <a:t>화면</a:t>
+            </a:r>
+          </a:p>
+        </p:txBody>
+      </p:sp>
+    </p:spTree>
+    <p:extLst>
+      <p:ext uri="{BB962C8B-B14F-4D97-AF65-F5344CB8AC3E}">
+        <p14:creationId xmlns:p14="http://schemas.microsoft.com/office/powerpoint/2010/main" val="3744130880"/>
       </p:ext>
     </p:extLst>
   </p:cSld>
@@ -7807,7 +10113,7 @@
         <p:spPr>
           <a:xfrm>
             <a:off x="9306603" y="449178"/>
-            <a:ext cx="2641141" cy="3597267"/>
+            <a:ext cx="2641141" cy="4428264"/>
           </a:xfrm>
           <a:prstGeom prst="rect">
             <a:avLst/>
@@ -7908,55 +10214,6 @@
             <a:r>
               <a:rPr lang="ko-KR" altLang="en-US" sz="900" dirty="0"/>
               <a:t>확인 후 가입시킨다</a:t>
-            </a:r>
-            <a:r>
-              <a:rPr lang="en-US" altLang="ko-KR" sz="900" dirty="0"/>
-              <a:t>.</a:t>
-            </a:r>
-          </a:p>
-          <a:p>
-            <a:pPr>
-              <a:lnSpc>
-                <a:spcPct val="150000"/>
-              </a:lnSpc>
-            </a:pPr>
-            <a:endParaRPr lang="en-US" altLang="ko-KR" sz="900" dirty="0"/>
-          </a:p>
-          <a:p>
-            <a:pPr>
-              <a:lnSpc>
-                <a:spcPct val="150000"/>
-              </a:lnSpc>
-            </a:pPr>
-            <a:r>
-              <a:rPr lang="en-US" altLang="ko-KR" sz="900" dirty="0"/>
-              <a:t>② </a:t>
-            </a:r>
-            <a:r>
-              <a:rPr lang="ko-KR" altLang="en-US" sz="900" dirty="0"/>
-              <a:t>주소 검색</a:t>
-            </a:r>
-            <a:endParaRPr lang="en-US" altLang="ko-KR" sz="900" dirty="0"/>
-          </a:p>
-          <a:p>
-            <a:pPr marL="171450" indent="-171450">
-              <a:lnSpc>
-                <a:spcPct val="150000"/>
-              </a:lnSpc>
-              <a:buFont typeface="Symbol" panose="05050102010706020507" pitchFamily="18" charset="2"/>
-              <a:buChar char="Þ"/>
-            </a:pPr>
-            <a:r>
-              <a:rPr lang="ko-KR" altLang="en-US" sz="900" dirty="0"/>
-              <a:t>주소를 </a:t>
-            </a:r>
-            <a:r>
-              <a:rPr lang="en-US" altLang="ko-KR" sz="900" dirty="0"/>
-              <a:t>API</a:t>
-            </a:r>
-            <a:r>
-              <a:rPr lang="ko-KR" altLang="en-US" sz="900" dirty="0"/>
-              <a:t>를 이용해서 검색해 회원가입 폼에 보여주는 폼을 연다</a:t>
             </a:r>
             <a:r>
               <a:rPr lang="en-US" altLang="ko-KR" sz="900" dirty="0"/>
@@ -7980,12 +10237,16 @@
               </a:lnSpc>
             </a:pPr>
             <a:r>
+              <a:rPr lang="ko-KR" altLang="en-US" sz="900" dirty="0"/>
+              <a:t>②</a:t>
+            </a:r>
+            <a:r>
               <a:rPr lang="en-US" altLang="ko-KR" sz="900" dirty="0"/>
-              <a:t>③ </a:t>
+              <a:t> </a:t>
             </a:r>
             <a:r>
               <a:rPr lang="ko-KR" altLang="en-US" sz="900" dirty="0"/>
-              <a:t>주소 폼</a:t>
+              <a:t>정규 표현식</a:t>
             </a:r>
             <a:endParaRPr lang="en-US" altLang="ko-KR" sz="900" dirty="0"/>
           </a:p>
@@ -7999,15 +10260,64 @@
             </a:pPr>
             <a:r>
               <a:rPr lang="ko-KR" altLang="en-US" sz="900" dirty="0"/>
-              <a:t>주소를 검색해 주는 폼</a:t>
-            </a:r>
+              <a:t>가입버튼을 누르면 해당 정규 표현식을</a:t>
+            </a:r>
+            <a:endParaRPr lang="en-US" altLang="ko-KR" sz="900" dirty="0"/>
+          </a:p>
+          <a:p>
+            <a:pPr>
+              <a:lnSpc>
+                <a:spcPct val="150000"/>
+              </a:lnSpc>
+            </a:pPr>
             <a:r>
               <a:rPr lang="en-US" altLang="ko-KR" sz="900" dirty="0"/>
-              <a:t>,</a:t>
+              <a:t>    </a:t>
             </a:r>
             <a:r>
               <a:rPr lang="ko-KR" altLang="en-US" sz="900" dirty="0"/>
-              <a:t> 주소 </a:t>
+              <a:t>체크하고 가입할지 결정한다</a:t>
+            </a:r>
+            <a:r>
+              <a:rPr lang="en-US" altLang="ko-KR" sz="900" dirty="0"/>
+              <a:t>.</a:t>
+            </a:r>
+          </a:p>
+          <a:p>
+            <a:pPr>
+              <a:lnSpc>
+                <a:spcPct val="150000"/>
+              </a:lnSpc>
+            </a:pPr>
+            <a:endParaRPr lang="en-US" altLang="ko-KR" sz="900" dirty="0"/>
+          </a:p>
+          <a:p>
+            <a:pPr>
+              <a:lnSpc>
+                <a:spcPct val="150000"/>
+              </a:lnSpc>
+            </a:pPr>
+            <a:r>
+              <a:rPr lang="en-US" altLang="ko-KR" sz="900" dirty="0"/>
+              <a:t>③ </a:t>
+            </a:r>
+            <a:r>
+              <a:rPr lang="ko-KR" altLang="en-US" sz="900" dirty="0"/>
+              <a:t>주소 검색</a:t>
+            </a:r>
+            <a:endParaRPr lang="en-US" altLang="ko-KR" sz="900" dirty="0"/>
+          </a:p>
+          <a:p>
+            <a:pPr marL="171450" indent="-171450">
+              <a:lnSpc>
+                <a:spcPct val="150000"/>
+              </a:lnSpc>
+              <a:buFont typeface="Symbol" panose="05050102010706020507" pitchFamily="18" charset="2"/>
+              <a:buChar char="Þ"/>
+            </a:pPr>
+            <a:r>
+              <a:rPr lang="ko-KR" altLang="en-US" sz="900" dirty="0"/>
+              <a:t>주소를 </a:t>
             </a:r>
             <a:r>
               <a:rPr lang="en-US" altLang="ko-KR" sz="900" dirty="0"/>
@@ -8015,7 +10325,7 @@
             </a:r>
             <a:r>
               <a:rPr lang="ko-KR" altLang="en-US" sz="900" dirty="0"/>
-              <a:t>를 이용 데이터 그리드 뷰 셀을 더블 클릭하면 준비된 텍스트 박스에 값을 넣어준다</a:t>
+              <a:t>를 이용해서 검색해 회원가입 폼에 보여주는 폼을 연다</a:t>
             </a:r>
             <a:r>
               <a:rPr lang="en-US" altLang="ko-KR" sz="900" dirty="0"/>
@@ -8044,7 +10354,62 @@
             </a:r>
             <a:r>
               <a:rPr lang="ko-KR" altLang="en-US" sz="900" dirty="0"/>
-              <a:t>주소 선택</a:t>
+              <a:t>주소 폼</a:t>
+            </a:r>
+            <a:endParaRPr lang="en-US" altLang="ko-KR" sz="900" dirty="0"/>
+          </a:p>
+          <a:p>
+            <a:pPr marL="171450" indent="-171450">
+              <a:lnSpc>
+                <a:spcPct val="150000"/>
+              </a:lnSpc>
+              <a:buFont typeface="Symbol" panose="05050102010706020507" pitchFamily="18" charset="2"/>
+              <a:buChar char="Þ"/>
+            </a:pPr>
+            <a:r>
+              <a:rPr lang="ko-KR" altLang="en-US" sz="900" dirty="0"/>
+              <a:t>주소를 검색해 주는 폼</a:t>
+            </a:r>
+            <a:r>
+              <a:rPr lang="en-US" altLang="ko-KR" sz="900" dirty="0"/>
+              <a:t>,</a:t>
+            </a:r>
+            <a:r>
+              <a:rPr lang="ko-KR" altLang="en-US" sz="900" dirty="0"/>
+              <a:t> 주소 </a:t>
+            </a:r>
+            <a:r>
+              <a:rPr lang="en-US" altLang="ko-KR" sz="900" dirty="0"/>
+              <a:t>API</a:t>
+            </a:r>
+            <a:r>
+              <a:rPr lang="ko-KR" altLang="en-US" sz="900" dirty="0"/>
+              <a:t>를 이용 데이터 그리드 뷰 셀을 더블 클릭하면 준비된 텍스트 박스에 값을 넣어준다</a:t>
+            </a:r>
+            <a:r>
+              <a:rPr lang="en-US" altLang="ko-KR" sz="900" dirty="0"/>
+              <a:t>.</a:t>
+            </a:r>
+          </a:p>
+          <a:p>
+            <a:pPr marL="171450" indent="-171450">
+              <a:lnSpc>
+                <a:spcPct val="150000"/>
+              </a:lnSpc>
+              <a:buFont typeface="Symbol" panose="05050102010706020507" pitchFamily="18" charset="2"/>
+              <a:buChar char="Þ"/>
+            </a:pPr>
+            <a:endParaRPr lang="en-US" altLang="ko-KR" sz="900" dirty="0"/>
+          </a:p>
+          <a:p>
+            <a:pPr>
+              <a:lnSpc>
+                <a:spcPct val="150000"/>
+              </a:lnSpc>
+            </a:pPr>
+            <a:r>
+              <a:rPr lang="ko-KR" altLang="en-US" sz="900" dirty="0"/>
+              <a:t>⑤ 주소 선택</a:t>
             </a:r>
             <a:endParaRPr lang="en-US" altLang="ko-KR" sz="900" dirty="0"/>
           </a:p>
@@ -8321,7 +10686,7 @@
         </p:nvSpPr>
         <p:spPr>
           <a:xfrm>
-            <a:off x="2211493" y="1438969"/>
+            <a:off x="2521748" y="4795133"/>
             <a:ext cx="364202" cy="307777"/>
           </a:xfrm>
           <a:prstGeom prst="rect">
@@ -8359,7 +10724,7 @@
         </p:nvSpPr>
         <p:spPr>
           <a:xfrm>
-            <a:off x="5291663" y="2657139"/>
+            <a:off x="2270692" y="1611796"/>
             <a:ext cx="364202" cy="307777"/>
           </a:xfrm>
           <a:prstGeom prst="rect">
@@ -8397,7 +10762,7 @@
         </p:nvSpPr>
         <p:spPr>
           <a:xfrm>
-            <a:off x="8559736" y="5511624"/>
+            <a:off x="5553403" y="2632197"/>
             <a:ext cx="364202" cy="307777"/>
           </a:xfrm>
           <a:prstGeom prst="rect">
@@ -8470,6 +10835,598 @@
           <a:p>
             <a:pPr algn="ctr"/>
             <a:endParaRPr lang="ko-KR" altLang="en-US"/>
+          </a:p>
+        </p:txBody>
+      </p:sp>
+      <p:sp>
+        <p:nvSpPr>
+          <p:cNvPr id="6" name="직사각형 5">
+            <a:extLst>
+              <a:ext uri="{FF2B5EF4-FFF2-40B4-BE49-F238E27FC236}">
+                <a16:creationId xmlns:a16="http://schemas.microsoft.com/office/drawing/2014/main" id="{4BDB37F2-31B8-4145-80CA-841AF778FD26}"/>
+              </a:ext>
+            </a:extLst>
+          </p:cNvPr>
+          <p:cNvSpPr/>
+          <p:nvPr/>
+        </p:nvSpPr>
+        <p:spPr>
+          <a:xfrm>
+            <a:off x="257262" y="5134336"/>
+            <a:ext cx="6096000" cy="261610"/>
+          </a:xfrm>
+          <a:prstGeom prst="rect">
+            <a:avLst/>
+          </a:prstGeom>
+        </p:spPr>
+        <p:txBody>
+          <a:bodyPr>
+            <a:spAutoFit/>
+          </a:bodyPr>
+          <a:lstStyle/>
+          <a:p>
+            <a:r>
+              <a:rPr lang="ko-KR" altLang="en-US" sz="1100" b="1" dirty="0">
+                <a:solidFill>
+                  <a:srgbClr val="FF0000"/>
+                </a:solidFill>
+                <a:latin typeface="나눔고딕" panose="020D0604000000000000" pitchFamily="50" charset="-127"/>
+                <a:ea typeface="나눔고딕" panose="020D0604000000000000" pitchFamily="50" charset="-127"/>
+              </a:rPr>
+              <a:t>ID </a:t>
+            </a:r>
+            <a:r>
+              <a:rPr lang="en-US" altLang="ko-KR" sz="1100" b="1" dirty="0">
+                <a:solidFill>
+                  <a:srgbClr val="FF0000"/>
+                </a:solidFill>
+                <a:latin typeface="나눔고딕" panose="020D0604000000000000" pitchFamily="50" charset="-127"/>
+                <a:ea typeface="나눔고딕" panose="020D0604000000000000" pitchFamily="50" charset="-127"/>
+              </a:rPr>
+              <a:t>: </a:t>
+            </a:r>
+            <a:r>
+              <a:rPr lang="ko-KR" altLang="en-US" sz="1100" b="1" dirty="0">
+                <a:solidFill>
+                  <a:srgbClr val="FF0000"/>
+                </a:solidFill>
+                <a:latin typeface="나눔고딕" panose="020D0604000000000000" pitchFamily="50" charset="-127"/>
+                <a:ea typeface="나눔고딕" panose="020D0604000000000000" pitchFamily="50" charset="-127"/>
+              </a:rPr>
+              <a:t> 5~20자의 영문 소문자, 숫자와 특수기호(_),(-)만 사용 가능합니다.</a:t>
+            </a:r>
+          </a:p>
+        </p:txBody>
+      </p:sp>
+      <p:sp>
+        <p:nvSpPr>
+          <p:cNvPr id="7" name="직사각형 6">
+            <a:extLst>
+              <a:ext uri="{FF2B5EF4-FFF2-40B4-BE49-F238E27FC236}">
+                <a16:creationId xmlns:a16="http://schemas.microsoft.com/office/drawing/2014/main" id="{45B5C3D5-EFBF-4332-BDEC-D93334DCC68B}"/>
+              </a:ext>
+            </a:extLst>
+          </p:cNvPr>
+          <p:cNvSpPr/>
+          <p:nvPr/>
+        </p:nvSpPr>
+        <p:spPr>
+          <a:xfrm>
+            <a:off x="257262" y="5389049"/>
+            <a:ext cx="6096000" cy="261610"/>
+          </a:xfrm>
+          <a:prstGeom prst="rect">
+            <a:avLst/>
+          </a:prstGeom>
+        </p:spPr>
+        <p:txBody>
+          <a:bodyPr>
+            <a:spAutoFit/>
+          </a:bodyPr>
+          <a:lstStyle/>
+          <a:p>
+            <a:r>
+              <a:rPr lang="ko-KR" altLang="en-US" sz="1100" b="1" dirty="0">
+                <a:solidFill>
+                  <a:srgbClr val="FF0000"/>
+                </a:solidFill>
+                <a:latin typeface="나눔고딕" panose="020D0604000000000000" pitchFamily="50" charset="-127"/>
+                <a:ea typeface="나눔고딕" panose="020D0604000000000000" pitchFamily="50" charset="-127"/>
+              </a:rPr>
+              <a:t>비밀번호 </a:t>
+            </a:r>
+            <a:r>
+              <a:rPr lang="en-US" altLang="ko-KR" sz="1100" b="1" dirty="0">
+                <a:solidFill>
+                  <a:srgbClr val="FF0000"/>
+                </a:solidFill>
+                <a:latin typeface="나눔고딕" panose="020D0604000000000000" pitchFamily="50" charset="-127"/>
+                <a:ea typeface="나눔고딕" panose="020D0604000000000000" pitchFamily="50" charset="-127"/>
+              </a:rPr>
+              <a:t>: </a:t>
+            </a:r>
+            <a:r>
+              <a:rPr lang="ko-KR" altLang="en-US" sz="1100" b="1" dirty="0">
+                <a:solidFill>
+                  <a:srgbClr val="FF0000"/>
+                </a:solidFill>
+                <a:latin typeface="나눔고딕" panose="020D0604000000000000" pitchFamily="50" charset="-127"/>
+                <a:ea typeface="나눔고딕" panose="020D0604000000000000" pitchFamily="50" charset="-127"/>
+              </a:rPr>
+              <a:t> 숫자</a:t>
+            </a:r>
+            <a:r>
+              <a:rPr lang="en-US" altLang="ko-KR" sz="1100" b="1" dirty="0">
+                <a:solidFill>
+                  <a:srgbClr val="FF0000"/>
+                </a:solidFill>
+                <a:latin typeface="나눔고딕" panose="020D0604000000000000" pitchFamily="50" charset="-127"/>
+                <a:ea typeface="나눔고딕" panose="020D0604000000000000" pitchFamily="50" charset="-127"/>
+              </a:rPr>
+              <a:t>1</a:t>
+            </a:r>
+            <a:r>
+              <a:rPr lang="ko-KR" altLang="en-US" sz="1100" b="1" dirty="0">
+                <a:solidFill>
+                  <a:srgbClr val="FF0000"/>
+                </a:solidFill>
+                <a:latin typeface="나눔고딕" panose="020D0604000000000000" pitchFamily="50" charset="-127"/>
+                <a:ea typeface="나눔고딕" panose="020D0604000000000000" pitchFamily="50" charset="-127"/>
+              </a:rPr>
+              <a:t>이상</a:t>
+            </a:r>
+            <a:r>
+              <a:rPr lang="en-US" altLang="ko-KR" sz="1100" b="1" dirty="0">
+                <a:solidFill>
+                  <a:srgbClr val="FF0000"/>
+                </a:solidFill>
+                <a:latin typeface="나눔고딕" panose="020D0604000000000000" pitchFamily="50" charset="-127"/>
+                <a:ea typeface="나눔고딕" panose="020D0604000000000000" pitchFamily="50" charset="-127"/>
+              </a:rPr>
+              <a:t>, </a:t>
+            </a:r>
+            <a:r>
+              <a:rPr lang="ko-KR" altLang="en-US" sz="1100" b="1" dirty="0">
+                <a:solidFill>
+                  <a:srgbClr val="FF0000"/>
+                </a:solidFill>
+                <a:latin typeface="나눔고딕" panose="020D0604000000000000" pitchFamily="50" charset="-127"/>
+                <a:ea typeface="나눔고딕" panose="020D0604000000000000" pitchFamily="50" charset="-127"/>
+              </a:rPr>
+              <a:t>영문자</a:t>
+            </a:r>
+            <a:r>
+              <a:rPr lang="en-US" altLang="ko-KR" sz="1100" b="1" dirty="0">
+                <a:solidFill>
+                  <a:srgbClr val="FF0000"/>
+                </a:solidFill>
+                <a:latin typeface="나눔고딕" panose="020D0604000000000000" pitchFamily="50" charset="-127"/>
+                <a:ea typeface="나눔고딕" panose="020D0604000000000000" pitchFamily="50" charset="-127"/>
+              </a:rPr>
+              <a:t>1</a:t>
+            </a:r>
+            <a:r>
+              <a:rPr lang="ko-KR" altLang="en-US" sz="1100" b="1" dirty="0">
+                <a:solidFill>
+                  <a:srgbClr val="FF0000"/>
+                </a:solidFill>
+                <a:latin typeface="나눔고딕" panose="020D0604000000000000" pitchFamily="50" charset="-127"/>
+                <a:ea typeface="나눔고딕" panose="020D0604000000000000" pitchFamily="50" charset="-127"/>
+              </a:rPr>
+              <a:t>이상</a:t>
+            </a:r>
+            <a:r>
+              <a:rPr lang="en-US" altLang="ko-KR" sz="1100" b="1" dirty="0">
+                <a:solidFill>
+                  <a:srgbClr val="FF0000"/>
+                </a:solidFill>
+                <a:latin typeface="나눔고딕" panose="020D0604000000000000" pitchFamily="50" charset="-127"/>
+                <a:ea typeface="나눔고딕" panose="020D0604000000000000" pitchFamily="50" charset="-127"/>
+              </a:rPr>
+              <a:t>, </a:t>
+            </a:r>
+            <a:r>
+              <a:rPr lang="ko-KR" altLang="en-US" sz="1100" b="1" dirty="0">
+                <a:solidFill>
+                  <a:srgbClr val="FF0000"/>
+                </a:solidFill>
+                <a:latin typeface="나눔고딕" panose="020D0604000000000000" pitchFamily="50" charset="-127"/>
+                <a:ea typeface="나눔고딕" panose="020D0604000000000000" pitchFamily="50" charset="-127"/>
+              </a:rPr>
+              <a:t>특수문자 </a:t>
+            </a:r>
+            <a:r>
+              <a:rPr lang="en-US" altLang="ko-KR" sz="1100" b="1" dirty="0">
+                <a:solidFill>
+                  <a:srgbClr val="FF0000"/>
+                </a:solidFill>
+                <a:latin typeface="나눔고딕" panose="020D0604000000000000" pitchFamily="50" charset="-127"/>
+                <a:ea typeface="나눔고딕" panose="020D0604000000000000" pitchFamily="50" charset="-127"/>
+              </a:rPr>
+              <a:t>1</a:t>
+            </a:r>
+            <a:r>
+              <a:rPr lang="ko-KR" altLang="en-US" sz="1100" b="1" dirty="0">
+                <a:solidFill>
+                  <a:srgbClr val="FF0000"/>
+                </a:solidFill>
+                <a:latin typeface="나눔고딕" panose="020D0604000000000000" pitchFamily="50" charset="-127"/>
+                <a:ea typeface="나눔고딕" panose="020D0604000000000000" pitchFamily="50" charset="-127"/>
+              </a:rPr>
+              <a:t>이상</a:t>
+            </a:r>
+            <a:r>
+              <a:rPr lang="en-US" altLang="ko-KR" sz="1100" b="1" dirty="0">
+                <a:solidFill>
+                  <a:srgbClr val="FF0000"/>
+                </a:solidFill>
+                <a:latin typeface="나눔고딕" panose="020D0604000000000000" pitchFamily="50" charset="-127"/>
+                <a:ea typeface="나눔고딕" panose="020D0604000000000000" pitchFamily="50" charset="-127"/>
+              </a:rPr>
+              <a:t>, </a:t>
+            </a:r>
+            <a:r>
+              <a:rPr lang="ko-KR" altLang="en-US" sz="1100" b="1" dirty="0">
+                <a:solidFill>
+                  <a:srgbClr val="FF0000"/>
+                </a:solidFill>
+                <a:latin typeface="나눔고딕" panose="020D0604000000000000" pitchFamily="50" charset="-127"/>
+                <a:ea typeface="나눔고딕" panose="020D0604000000000000" pitchFamily="50" charset="-127"/>
+              </a:rPr>
+              <a:t>최대 글자 수 </a:t>
+            </a:r>
+            <a:r>
+              <a:rPr lang="en-US" altLang="ko-KR" sz="1100" b="1" dirty="0">
+                <a:solidFill>
+                  <a:srgbClr val="FF0000"/>
+                </a:solidFill>
+                <a:latin typeface="나눔고딕" panose="020D0604000000000000" pitchFamily="50" charset="-127"/>
+                <a:ea typeface="나눔고딕" panose="020D0604000000000000" pitchFamily="50" charset="-127"/>
+              </a:rPr>
+              <a:t>9</a:t>
+            </a:r>
+            <a:r>
+              <a:rPr lang="ko-KR" altLang="en-US" sz="1100" b="1" dirty="0">
+                <a:solidFill>
+                  <a:srgbClr val="FF0000"/>
+                </a:solidFill>
+                <a:latin typeface="나눔고딕" panose="020D0604000000000000" pitchFamily="50" charset="-127"/>
+                <a:ea typeface="나눔고딕" panose="020D0604000000000000" pitchFamily="50" charset="-127"/>
+              </a:rPr>
+              <a:t>자리 이상</a:t>
+            </a:r>
+          </a:p>
+        </p:txBody>
+      </p:sp>
+      <p:sp>
+        <p:nvSpPr>
+          <p:cNvPr id="8" name="직사각형 7">
+            <a:extLst>
+              <a:ext uri="{FF2B5EF4-FFF2-40B4-BE49-F238E27FC236}">
+                <a16:creationId xmlns:a16="http://schemas.microsoft.com/office/drawing/2014/main" id="{A7D7E1FC-61E7-423C-970D-ACACDC6591C3}"/>
+              </a:ext>
+            </a:extLst>
+          </p:cNvPr>
+          <p:cNvSpPr/>
+          <p:nvPr/>
+        </p:nvSpPr>
+        <p:spPr>
+          <a:xfrm>
+            <a:off x="257262" y="5643762"/>
+            <a:ext cx="3499676" cy="261610"/>
+          </a:xfrm>
+          <a:prstGeom prst="rect">
+            <a:avLst/>
+          </a:prstGeom>
+        </p:spPr>
+        <p:txBody>
+          <a:bodyPr wrap="none">
+            <a:spAutoFit/>
+          </a:bodyPr>
+          <a:lstStyle/>
+          <a:p>
+            <a:r>
+              <a:rPr lang="ko-KR" altLang="en-US" sz="1100" b="1" dirty="0">
+                <a:solidFill>
+                  <a:srgbClr val="FF0000"/>
+                </a:solidFill>
+                <a:latin typeface="나눔고딕" panose="020D0604000000000000" pitchFamily="50" charset="-127"/>
+                <a:ea typeface="나눔고딕" panose="020D0604000000000000" pitchFamily="50" charset="-127"/>
+              </a:rPr>
+              <a:t>휴대전화 번호 </a:t>
+            </a:r>
+            <a:r>
+              <a:rPr lang="en-US" altLang="ko-KR" sz="1100" b="1" dirty="0">
+                <a:solidFill>
+                  <a:srgbClr val="FF0000"/>
+                </a:solidFill>
+                <a:latin typeface="나눔고딕" panose="020D0604000000000000" pitchFamily="50" charset="-127"/>
+                <a:ea typeface="나눔고딕" panose="020D0604000000000000" pitchFamily="50" charset="-127"/>
+              </a:rPr>
+              <a:t>: 000(2~3)-0000(3~4)-0000 OR</a:t>
+            </a:r>
+            <a:r>
+              <a:rPr lang="ko-KR" altLang="en-US" sz="1100" b="1" dirty="0">
+                <a:solidFill>
+                  <a:srgbClr val="FF0000"/>
+                </a:solidFill>
+                <a:latin typeface="나눔고딕" panose="020D0604000000000000" pitchFamily="50" charset="-127"/>
+                <a:ea typeface="나눔고딕" panose="020D0604000000000000" pitchFamily="50" charset="-127"/>
+              </a:rPr>
+              <a:t> 빈 값</a:t>
+            </a:r>
+          </a:p>
+        </p:txBody>
+      </p:sp>
+      <p:sp>
+        <p:nvSpPr>
+          <p:cNvPr id="13" name="직사각형 12">
+            <a:extLst>
+              <a:ext uri="{FF2B5EF4-FFF2-40B4-BE49-F238E27FC236}">
+                <a16:creationId xmlns:a16="http://schemas.microsoft.com/office/drawing/2014/main" id="{C8C87D46-EEB4-4153-BF1C-7A994CF4CC46}"/>
+              </a:ext>
+            </a:extLst>
+          </p:cNvPr>
+          <p:cNvSpPr/>
+          <p:nvPr/>
+        </p:nvSpPr>
+        <p:spPr>
+          <a:xfrm>
+            <a:off x="257262" y="5898475"/>
+            <a:ext cx="2050561" cy="261610"/>
+          </a:xfrm>
+          <a:prstGeom prst="rect">
+            <a:avLst/>
+          </a:prstGeom>
+        </p:spPr>
+        <p:txBody>
+          <a:bodyPr wrap="none">
+            <a:spAutoFit/>
+          </a:bodyPr>
+          <a:lstStyle/>
+          <a:p>
+            <a:r>
+              <a:rPr lang="ko-KR" altLang="en-US" sz="1100" b="1" dirty="0">
+                <a:solidFill>
+                  <a:srgbClr val="FF0000"/>
+                </a:solidFill>
+                <a:latin typeface="나눔고딕" panose="020D0604000000000000" pitchFamily="50" charset="-127"/>
+                <a:ea typeface="나눔고딕" panose="020D0604000000000000" pitchFamily="50" charset="-127"/>
+              </a:rPr>
+              <a:t>이름 </a:t>
+            </a:r>
+            <a:r>
+              <a:rPr lang="en-US" altLang="ko-KR" sz="1100" b="1" dirty="0">
+                <a:solidFill>
+                  <a:srgbClr val="FF0000"/>
+                </a:solidFill>
+                <a:latin typeface="나눔고딕" panose="020D0604000000000000" pitchFamily="50" charset="-127"/>
+                <a:ea typeface="나눔고딕" panose="020D0604000000000000" pitchFamily="50" charset="-127"/>
+              </a:rPr>
+              <a:t>: </a:t>
+            </a:r>
+            <a:r>
+              <a:rPr lang="ko-KR" altLang="en-US" sz="1100" b="1" dirty="0">
+                <a:solidFill>
+                  <a:srgbClr val="FF0000"/>
+                </a:solidFill>
+                <a:latin typeface="나눔고딕" panose="020D0604000000000000" pitchFamily="50" charset="-127"/>
+                <a:ea typeface="나눔고딕" panose="020D0604000000000000" pitchFamily="50" charset="-127"/>
+              </a:rPr>
+              <a:t>영대소문자만 </a:t>
+            </a:r>
+            <a:r>
+              <a:rPr lang="en-US" altLang="ko-KR" sz="1100" b="1" dirty="0">
+                <a:solidFill>
+                  <a:srgbClr val="FF0000"/>
+                </a:solidFill>
+                <a:latin typeface="나눔고딕" panose="020D0604000000000000" pitchFamily="50" charset="-127"/>
+                <a:ea typeface="나눔고딕" panose="020D0604000000000000" pitchFamily="50" charset="-127"/>
+              </a:rPr>
+              <a:t>OR </a:t>
+            </a:r>
+            <a:r>
+              <a:rPr lang="ko-KR" altLang="en-US" sz="1100" b="1" dirty="0">
+                <a:solidFill>
+                  <a:srgbClr val="FF0000"/>
+                </a:solidFill>
+                <a:latin typeface="나눔고딕" panose="020D0604000000000000" pitchFamily="50" charset="-127"/>
+                <a:ea typeface="나눔고딕" panose="020D0604000000000000" pitchFamily="50" charset="-127"/>
+              </a:rPr>
+              <a:t>한글만</a:t>
+            </a:r>
+          </a:p>
+        </p:txBody>
+      </p:sp>
+      <p:sp>
+        <p:nvSpPr>
+          <p:cNvPr id="15" name="직사각형 14">
+            <a:extLst>
+              <a:ext uri="{FF2B5EF4-FFF2-40B4-BE49-F238E27FC236}">
+                <a16:creationId xmlns:a16="http://schemas.microsoft.com/office/drawing/2014/main" id="{C61E7088-F241-417A-A517-7B3CF1F4822C}"/>
+              </a:ext>
+            </a:extLst>
+          </p:cNvPr>
+          <p:cNvSpPr/>
+          <p:nvPr/>
+        </p:nvSpPr>
+        <p:spPr>
+          <a:xfrm>
+            <a:off x="257262" y="6153187"/>
+            <a:ext cx="2983509" cy="261610"/>
+          </a:xfrm>
+          <a:prstGeom prst="rect">
+            <a:avLst/>
+          </a:prstGeom>
+        </p:spPr>
+        <p:txBody>
+          <a:bodyPr wrap="none">
+            <a:spAutoFit/>
+          </a:bodyPr>
+          <a:lstStyle/>
+          <a:p>
+            <a:r>
+              <a:rPr lang="ko-KR" altLang="en-US" sz="1100" b="1" dirty="0">
+                <a:solidFill>
+                  <a:srgbClr val="FF0000"/>
+                </a:solidFill>
+                <a:latin typeface="나눔고딕" panose="020D0604000000000000" pitchFamily="50" charset="-127"/>
+                <a:ea typeface="나눔고딕" panose="020D0604000000000000" pitchFamily="50" charset="-127"/>
+              </a:rPr>
+              <a:t>직원 아이디 </a:t>
+            </a:r>
+            <a:r>
+              <a:rPr lang="en-US" altLang="ko-KR" sz="1100" b="1" dirty="0">
+                <a:solidFill>
+                  <a:srgbClr val="FF0000"/>
+                </a:solidFill>
+                <a:latin typeface="나눔고딕" panose="020D0604000000000000" pitchFamily="50" charset="-127"/>
+                <a:ea typeface="나눔고딕" panose="020D0604000000000000" pitchFamily="50" charset="-127"/>
+              </a:rPr>
+              <a:t>:</a:t>
+            </a:r>
+            <a:r>
+              <a:rPr lang="ko-KR" altLang="en-US" sz="1100" b="1" dirty="0">
+                <a:solidFill>
+                  <a:srgbClr val="FF0000"/>
+                </a:solidFill>
+                <a:latin typeface="나눔고딕" panose="020D0604000000000000" pitchFamily="50" charset="-127"/>
+                <a:ea typeface="나눔고딕" panose="020D0604000000000000" pitchFamily="50" charset="-127"/>
+              </a:rPr>
+              <a:t> 1로 시작하는 5자리여야 합니다.</a:t>
+            </a:r>
+          </a:p>
+        </p:txBody>
+      </p:sp>
+      <p:sp>
+        <p:nvSpPr>
+          <p:cNvPr id="25" name="직사각형 24">
+            <a:extLst>
+              <a:ext uri="{FF2B5EF4-FFF2-40B4-BE49-F238E27FC236}">
+                <a16:creationId xmlns:a16="http://schemas.microsoft.com/office/drawing/2014/main" id="{909491BD-8A2B-4D91-94CF-C813C5B1D562}"/>
+              </a:ext>
+            </a:extLst>
+          </p:cNvPr>
+          <p:cNvSpPr/>
+          <p:nvPr/>
+        </p:nvSpPr>
+        <p:spPr>
+          <a:xfrm>
+            <a:off x="297203" y="5134336"/>
+            <a:ext cx="4692044" cy="1285355"/>
+          </a:xfrm>
+          <a:prstGeom prst="rect">
+            <a:avLst/>
+          </a:prstGeom>
+          <a:noFill/>
+          <a:ln w="28575">
+            <a:solidFill>
+              <a:srgbClr val="FF0000"/>
+            </a:solidFill>
+          </a:ln>
+        </p:spPr>
+        <p:style>
+          <a:lnRef idx="2">
+            <a:schemeClr val="accent1">
+              <a:shade val="50000"/>
+            </a:schemeClr>
+          </a:lnRef>
+          <a:fillRef idx="1">
+            <a:schemeClr val="accent1"/>
+          </a:fillRef>
+          <a:effectRef idx="0">
+            <a:schemeClr val="accent1"/>
+          </a:effectRef>
+          <a:fontRef idx="minor">
+            <a:schemeClr val="lt1"/>
+          </a:fontRef>
+        </p:style>
+        <p:txBody>
+          <a:bodyPr rtlCol="0" anchor="ctr"/>
+          <a:lstStyle/>
+          <a:p>
+            <a:pPr algn="ctr"/>
+            <a:endParaRPr lang="ko-KR" altLang="en-US"/>
+          </a:p>
+        </p:txBody>
+      </p:sp>
+      <p:cxnSp>
+        <p:nvCxnSpPr>
+          <p:cNvPr id="30" name="직선 화살표 연결선 29">
+            <a:extLst>
+              <a:ext uri="{FF2B5EF4-FFF2-40B4-BE49-F238E27FC236}">
+                <a16:creationId xmlns:a16="http://schemas.microsoft.com/office/drawing/2014/main" id="{4BA1DEE3-C360-491D-848C-F674063A7E7B}"/>
+              </a:ext>
+            </a:extLst>
+          </p:cNvPr>
+          <p:cNvCxnSpPr/>
+          <p:nvPr/>
+        </p:nvCxnSpPr>
+        <p:spPr>
+          <a:xfrm>
+            <a:off x="2139193" y="3475890"/>
+            <a:ext cx="0" cy="1658446"/>
+          </a:xfrm>
+          <a:prstGeom prst="straightConnector1">
+            <a:avLst/>
+          </a:prstGeom>
+          <a:ln w="28575">
+            <a:solidFill>
+              <a:srgbClr val="FF0000"/>
+            </a:solidFill>
+            <a:tailEnd type="triangle"/>
+          </a:ln>
+        </p:spPr>
+        <p:style>
+          <a:lnRef idx="1">
+            <a:schemeClr val="accent1"/>
+          </a:lnRef>
+          <a:fillRef idx="0">
+            <a:schemeClr val="accent1"/>
+          </a:fillRef>
+          <a:effectRef idx="0">
+            <a:schemeClr val="accent1"/>
+          </a:effectRef>
+          <a:fontRef idx="minor">
+            <a:schemeClr val="tx1"/>
+          </a:fontRef>
+        </p:style>
+      </p:cxnSp>
+      <p:sp>
+        <p:nvSpPr>
+          <p:cNvPr id="31" name="TextBox 30">
+            <a:extLst>
+              <a:ext uri="{FF2B5EF4-FFF2-40B4-BE49-F238E27FC236}">
+                <a16:creationId xmlns:a16="http://schemas.microsoft.com/office/drawing/2014/main" id="{C5A1EEB5-6771-4791-88E5-826891C74D3E}"/>
+              </a:ext>
+            </a:extLst>
+          </p:cNvPr>
+          <p:cNvSpPr txBox="1"/>
+          <p:nvPr/>
+        </p:nvSpPr>
+        <p:spPr>
+          <a:xfrm>
+            <a:off x="8285611" y="5466790"/>
+            <a:ext cx="364202" cy="307777"/>
+          </a:xfrm>
+          <a:prstGeom prst="rect">
+            <a:avLst/>
+          </a:prstGeom>
+        </p:spPr>
+        <p:txBody>
+          <a:bodyPr wrap="none" rtlCol="0">
+            <a:spAutoFit/>
+          </a:bodyPr>
+          <a:lstStyle/>
+          <a:p>
+            <a:r>
+              <a:rPr lang="ko-KR" altLang="en-US" sz="1400" b="1" dirty="0">
+                <a:solidFill>
+                  <a:srgbClr val="FF0000"/>
+                </a:solidFill>
+              </a:rPr>
+              <a:t>⑤</a:t>
+            </a:r>
           </a:p>
         </p:txBody>
       </p:sp>
@@ -9468,6 +12425,52 @@
           </a:p>
         </p:txBody>
       </p:sp>
+      <p:sp>
+        <p:nvSpPr>
+          <p:cNvPr id="6" name="TextBox 5">
+            <a:extLst>
+              <a:ext uri="{FF2B5EF4-FFF2-40B4-BE49-F238E27FC236}">
+                <a16:creationId xmlns:a16="http://schemas.microsoft.com/office/drawing/2014/main" id="{8F7C41F2-C0F6-4675-B030-BECA3609EA74}"/>
+              </a:ext>
+            </a:extLst>
+          </p:cNvPr>
+          <p:cNvSpPr txBox="1"/>
+          <p:nvPr/>
+        </p:nvSpPr>
+        <p:spPr>
+          <a:xfrm>
+            <a:off x="7736234" y="572696"/>
+            <a:ext cx="1461387" cy="369332"/>
+          </a:xfrm>
+          <a:prstGeom prst="rect">
+            <a:avLst/>
+          </a:prstGeom>
+          <a:solidFill>
+            <a:schemeClr val="bg1"/>
+          </a:solidFill>
+          <a:ln>
+            <a:solidFill>
+              <a:srgbClr val="FF0000"/>
+            </a:solidFill>
+          </a:ln>
+        </p:spPr>
+        <p:txBody>
+          <a:bodyPr wrap="square" rtlCol="0">
+            <a:spAutoFit/>
+          </a:bodyPr>
+          <a:lstStyle/>
+          <a:p>
+            <a:r>
+              <a:rPr lang="ko-KR" altLang="en-US" dirty="0">
+                <a:solidFill>
+                  <a:srgbClr val="FF0000"/>
+                </a:solidFill>
+              </a:rPr>
+              <a:t>관리자 화면</a:t>
+            </a:r>
+          </a:p>
+        </p:txBody>
+      </p:sp>
     </p:spTree>
     <p:extLst>
       <p:ext uri="{BB962C8B-B14F-4D97-AF65-F5344CB8AC3E}">
@@ -10215,6 +13218,52 @@
                 </a:solidFill>
               </a:rPr>
               <a:t>①</a:t>
+            </a:r>
+          </a:p>
+        </p:txBody>
+      </p:sp>
+      <p:sp>
+        <p:nvSpPr>
+          <p:cNvPr id="17" name="TextBox 16">
+            <a:extLst>
+              <a:ext uri="{FF2B5EF4-FFF2-40B4-BE49-F238E27FC236}">
+                <a16:creationId xmlns:a16="http://schemas.microsoft.com/office/drawing/2014/main" id="{17B2FC7C-A39B-4C93-A5A7-736E6DD1F085}"/>
+              </a:ext>
+            </a:extLst>
+          </p:cNvPr>
+          <p:cNvSpPr txBox="1"/>
+          <p:nvPr/>
+        </p:nvSpPr>
+        <p:spPr>
+          <a:xfrm>
+            <a:off x="7736234" y="572696"/>
+            <a:ext cx="1461387" cy="369332"/>
+          </a:xfrm>
+          <a:prstGeom prst="rect">
+            <a:avLst/>
+          </a:prstGeom>
+          <a:solidFill>
+            <a:schemeClr val="bg1"/>
+          </a:solidFill>
+          <a:ln>
+            <a:solidFill>
+              <a:srgbClr val="FF0000"/>
+            </a:solidFill>
+          </a:ln>
+        </p:spPr>
+        <p:txBody>
+          <a:bodyPr wrap="square" rtlCol="0">
+            <a:spAutoFit/>
+          </a:bodyPr>
+          <a:lstStyle/>
+          <a:p>
+            <a:r>
+              <a:rPr lang="ko-KR" altLang="en-US" dirty="0">
+                <a:solidFill>
+                  <a:srgbClr val="FF0000"/>
+                </a:solidFill>
+              </a:rPr>
+              <a:t>관리자 화면</a:t>
             </a:r>
           </a:p>
         </p:txBody>
@@ -11837,10 +14886,10 @@
       </p:sp>
       <p:sp>
         <p:nvSpPr>
-          <p:cNvPr id="43" name="TextBox 42">
-            <a:extLst>
-              <a:ext uri="{FF2B5EF4-FFF2-40B4-BE49-F238E27FC236}">
-                <a16:creationId xmlns:a16="http://schemas.microsoft.com/office/drawing/2014/main" id="{D961C730-6545-41E9-B07C-771606CA8AEA}"/>
+          <p:cNvPr id="44" name="TextBox 43">
+            <a:extLst>
+              <a:ext uri="{FF2B5EF4-FFF2-40B4-BE49-F238E27FC236}">
+                <a16:creationId xmlns:a16="http://schemas.microsoft.com/office/drawing/2014/main" id="{3AA38495-417A-4BAC-93E5-DC16977DFD78}"/>
               </a:ext>
             </a:extLst>
           </p:cNvPr>
@@ -11849,7 +14898,7 @@
         </p:nvSpPr>
         <p:spPr>
           <a:xfrm>
-            <a:off x="6177589" y="6043573"/>
+            <a:off x="3709745" y="3475323"/>
             <a:ext cx="364202" cy="307777"/>
           </a:xfrm>
           <a:prstGeom prst="rect">
@@ -11868,17 +14917,17 @@
                   <a:srgbClr val="FF0000"/>
                 </a:solidFill>
               </a:rPr>
-              <a:t>⑥</a:t>
-            </a:r>
-          </a:p>
-        </p:txBody>
-      </p:sp>
-      <p:sp>
-        <p:nvSpPr>
-          <p:cNvPr id="44" name="TextBox 43">
-            <a:extLst>
-              <a:ext uri="{FF2B5EF4-FFF2-40B4-BE49-F238E27FC236}">
-                <a16:creationId xmlns:a16="http://schemas.microsoft.com/office/drawing/2014/main" id="{3AA38495-417A-4BAC-93E5-DC16977DFD78}"/>
+              <a:t>⑤</a:t>
+            </a:r>
+          </a:p>
+        </p:txBody>
+      </p:sp>
+      <p:sp>
+        <p:nvSpPr>
+          <p:cNvPr id="45" name="TextBox 44">
+            <a:extLst>
+              <a:ext uri="{FF2B5EF4-FFF2-40B4-BE49-F238E27FC236}">
+                <a16:creationId xmlns:a16="http://schemas.microsoft.com/office/drawing/2014/main" id="{BFA78F93-E841-4D6F-8925-79C76F81B482}"/>
               </a:ext>
             </a:extLst>
           </p:cNvPr>
@@ -11887,26 +14936,34 @@
         </p:nvSpPr>
         <p:spPr>
           <a:xfrm>
-            <a:off x="3709745" y="3475323"/>
-            <a:ext cx="364202" cy="307777"/>
-          </a:xfrm>
-          <a:prstGeom prst="rect">
-            <a:avLst/>
-          </a:prstGeom>
-        </p:spPr>
-        <p:txBody>
-          <a:bodyPr wrap="none" rtlCol="0">
+            <a:off x="7736234" y="572696"/>
+            <a:ext cx="1461387" cy="369332"/>
+          </a:xfrm>
+          <a:prstGeom prst="rect">
+            <a:avLst/>
+          </a:prstGeom>
+          <a:solidFill>
+            <a:schemeClr val="bg1"/>
+          </a:solidFill>
+          <a:ln>
+            <a:solidFill>
+              <a:srgbClr val="FF0000"/>
+            </a:solidFill>
+          </a:ln>
+        </p:spPr>
+        <p:txBody>
+          <a:bodyPr wrap="square" rtlCol="0">
             <a:spAutoFit/>
           </a:bodyPr>
           <a:lstStyle/>
           <a:p>
             <a:r>
-              <a:rPr lang="ko-KR" altLang="en-US" sz="1400" b="1" dirty="0">
+              <a:rPr lang="ko-KR" altLang="en-US" dirty="0">
                 <a:solidFill>
                   <a:srgbClr val="FF0000"/>
                 </a:solidFill>
               </a:rPr>
-              <a:t>⑤</a:t>
+              <a:t>관리자 화면</a:t>
             </a:r>
           </a:p>
         </p:txBody>
@@ -13189,6 +16246,52 @@
           </a:p>
         </p:txBody>
       </p:sp>
+      <p:sp>
+        <p:nvSpPr>
+          <p:cNvPr id="29" name="TextBox 28">
+            <a:extLst>
+              <a:ext uri="{FF2B5EF4-FFF2-40B4-BE49-F238E27FC236}">
+                <a16:creationId xmlns:a16="http://schemas.microsoft.com/office/drawing/2014/main" id="{8AAD8A5E-B9D6-4D41-998E-A3B8A549EF63}"/>
+              </a:ext>
+            </a:extLst>
+          </p:cNvPr>
+          <p:cNvSpPr txBox="1"/>
+          <p:nvPr/>
+        </p:nvSpPr>
+        <p:spPr>
+          <a:xfrm>
+            <a:off x="7736234" y="572696"/>
+            <a:ext cx="1461387" cy="369332"/>
+          </a:xfrm>
+          <a:prstGeom prst="rect">
+            <a:avLst/>
+          </a:prstGeom>
+          <a:solidFill>
+            <a:schemeClr val="bg1"/>
+          </a:solidFill>
+          <a:ln>
+            <a:solidFill>
+              <a:srgbClr val="FF0000"/>
+            </a:solidFill>
+          </a:ln>
+        </p:spPr>
+        <p:txBody>
+          <a:bodyPr wrap="square" rtlCol="0">
+            <a:spAutoFit/>
+          </a:bodyPr>
+          <a:lstStyle/>
+          <a:p>
+            <a:r>
+              <a:rPr lang="ko-KR" altLang="en-US" dirty="0">
+                <a:solidFill>
+                  <a:srgbClr val="FF0000"/>
+                </a:solidFill>
+              </a:rPr>
+              <a:t>관리자 화면</a:t>
+            </a:r>
+          </a:p>
+        </p:txBody>
+      </p:sp>
     </p:spTree>
     <p:extLst>
       <p:ext uri="{BB962C8B-B14F-4D97-AF65-F5344CB8AC3E}">
@@ -13219,6 +16322,76 @@
           <a:chExt cx="0" cy="0"/>
         </a:xfrm>
       </p:grpSpPr>
+      <p:pic>
+        <p:nvPicPr>
+          <p:cNvPr id="10" name="그림 9" descr="스크린샷이(가) 표시된 사진&#10;&#10;자동 생성된 설명">
+            <a:extLst>
+              <a:ext uri="{FF2B5EF4-FFF2-40B4-BE49-F238E27FC236}">
+                <a16:creationId xmlns:a16="http://schemas.microsoft.com/office/drawing/2014/main" id="{BD3E7D77-B190-422D-AB4D-6ACBF86A47A2}"/>
+              </a:ext>
+            </a:extLst>
+          </p:cNvPr>
+          <p:cNvPicPr>
+            <a:picLocks noChangeAspect="1"/>
+          </p:cNvPicPr>
+          <p:nvPr/>
+        </p:nvPicPr>
+        <p:blipFill rotWithShape="1">
+          <a:blip r:embed="rId2">
+            <a:extLst>
+              <a:ext uri="{28A0092B-C50C-407E-A947-70E740481C1C}">
+                <a14:useLocalDpi xmlns:a14="http://schemas.microsoft.com/office/drawing/2010/main" val="0"/>
+              </a:ext>
+            </a:extLst>
+          </a:blip>
+          <a:srcRect r="68915" b="51970"/>
+          <a:stretch/>
+        </p:blipFill>
+        <p:spPr>
+          <a:xfrm>
+            <a:off x="1325116" y="1982361"/>
+            <a:ext cx="2366042" cy="2191657"/>
+          </a:xfrm>
+          <a:prstGeom prst="rect">
+            <a:avLst/>
+          </a:prstGeom>
+        </p:spPr>
+      </p:pic>
+      <p:pic>
+        <p:nvPicPr>
+          <p:cNvPr id="25" name="그림 24" descr="스크린샷이(가) 표시된 사진&#10;&#10;자동 생성된 설명">
+            <a:extLst>
+              <a:ext uri="{FF2B5EF4-FFF2-40B4-BE49-F238E27FC236}">
+                <a16:creationId xmlns:a16="http://schemas.microsoft.com/office/drawing/2014/main" id="{8FF93EAF-6290-4817-A188-7AE6070B5464}"/>
+              </a:ext>
+            </a:extLst>
+          </p:cNvPr>
+          <p:cNvPicPr>
+            <a:picLocks noChangeAspect="1"/>
+          </p:cNvPicPr>
+          <p:nvPr/>
+        </p:nvPicPr>
+        <p:blipFill rotWithShape="1">
+          <a:blip r:embed="rId2">
+            <a:extLst>
+              <a:ext uri="{28A0092B-C50C-407E-A947-70E740481C1C}">
+                <a14:useLocalDpi xmlns:a14="http://schemas.microsoft.com/office/drawing/2010/main" val="0"/>
+              </a:ext>
+            </a:extLst>
+          </a:blip>
+          <a:srcRect l="42403" b="51970"/>
+          <a:stretch/>
+        </p:blipFill>
+        <p:spPr>
+          <a:xfrm>
+            <a:off x="3606345" y="1986177"/>
+            <a:ext cx="4384013" cy="2191658"/>
+          </a:xfrm>
+          <a:prstGeom prst="rect">
+            <a:avLst/>
+          </a:prstGeom>
+        </p:spPr>
+      </p:pic>
       <p:sp>
         <p:nvSpPr>
           <p:cNvPr id="2" name="제목 1">
@@ -13255,8 +16428,21 @@
             </a:r>
             <a:r>
               <a:rPr lang="ko-KR" altLang="en-US" dirty="0"/>
-              <a:t>직원 관리</a:t>
-            </a:r>
+              <a:t>직원 관리 </a:t>
+            </a:r>
+            <a:r>
+              <a:rPr lang="en-US" altLang="ko-KR" dirty="0"/>
+              <a:t>(</a:t>
+            </a:r>
+            <a:r>
+              <a:rPr lang="ko-KR" altLang="en-US" dirty="0"/>
+              <a:t>관리자</a:t>
+            </a:r>
+            <a:r>
+              <a:rPr lang="en-US" altLang="ko-KR" dirty="0"/>
+              <a:t>)</a:t>
+            </a:r>
+            <a:endParaRPr lang="ko-KR" altLang="en-US" dirty="0"/>
           </a:p>
         </p:txBody>
       </p:sp>
@@ -13365,7 +16551,7 @@
           <p:nvPr/>
         </p:nvPicPr>
         <p:blipFill rotWithShape="1">
-          <a:blip r:embed="rId2">
+          <a:blip r:embed="rId3">
             <a:extLst>
               <a:ext uri="{28A0092B-C50C-407E-A947-70E740481C1C}">
                 <a14:useLocalDpi xmlns:a14="http://schemas.microsoft.com/office/drawing/2010/main" val="0"/>
@@ -13379,41 +16565,6 @@
           <a:xfrm>
             <a:off x="480410" y="578003"/>
             <a:ext cx="3105630" cy="800854"/>
-          </a:xfrm>
-          <a:prstGeom prst="rect">
-            <a:avLst/>
-          </a:prstGeom>
-        </p:spPr>
-      </p:pic>
-      <p:pic>
-        <p:nvPicPr>
-          <p:cNvPr id="10" name="그림 9" descr="스크린샷이(가) 표시된 사진&#10;&#10;자동 생성된 설명">
-            <a:extLst>
-              <a:ext uri="{FF2B5EF4-FFF2-40B4-BE49-F238E27FC236}">
-                <a16:creationId xmlns:a16="http://schemas.microsoft.com/office/drawing/2014/main" id="{BD3E7D77-B190-422D-AB4D-6ACBF86A47A2}"/>
-              </a:ext>
-            </a:extLst>
-          </p:cNvPr>
-          <p:cNvPicPr>
-            <a:picLocks noChangeAspect="1"/>
-          </p:cNvPicPr>
-          <p:nvPr/>
-        </p:nvPicPr>
-        <p:blipFill rotWithShape="1">
-          <a:blip r:embed="rId3">
-            <a:extLst>
-              <a:ext uri="{28A0092B-C50C-407E-A947-70E740481C1C}">
-                <a14:useLocalDpi xmlns:a14="http://schemas.microsoft.com/office/drawing/2010/main" val="0"/>
-              </a:ext>
-            </a:extLst>
-          </a:blip>
-          <a:srcRect b="51970"/>
-          <a:stretch/>
-        </p:blipFill>
-        <p:spPr>
-          <a:xfrm>
-            <a:off x="444270" y="1982361"/>
-            <a:ext cx="7611537" cy="2191657"/>
           </a:xfrm>
           <a:prstGeom prst="rect">
             <a:avLst/>
@@ -13486,8 +16637,8 @@
         </p:nvSpPr>
         <p:spPr>
           <a:xfrm>
-            <a:off x="444270" y="1979313"/>
-            <a:ext cx="7611537" cy="2191656"/>
+            <a:off x="1325115" y="1979313"/>
+            <a:ext cx="6665243" cy="2191656"/>
           </a:xfrm>
           <a:prstGeom prst="rect">
             <a:avLst/>
@@ -13538,7 +16689,7 @@
         </p:nvSpPr>
         <p:spPr>
           <a:xfrm>
-            <a:off x="6531127" y="2442609"/>
+            <a:off x="6454017" y="2460365"/>
             <a:ext cx="784074" cy="227439"/>
           </a:xfrm>
           <a:prstGeom prst="rect">
@@ -13590,7 +16741,7 @@
         </p:nvSpPr>
         <p:spPr>
           <a:xfrm>
-            <a:off x="7315201" y="2439560"/>
+            <a:off x="7238091" y="2464936"/>
             <a:ext cx="740606" cy="227439"/>
           </a:xfrm>
           <a:prstGeom prst="rect">
@@ -13642,7 +16793,7 @@
         </p:nvSpPr>
         <p:spPr>
           <a:xfrm>
-            <a:off x="5970295" y="2439560"/>
+            <a:off x="5888248" y="2446118"/>
             <a:ext cx="201905" cy="227439"/>
           </a:xfrm>
           <a:prstGeom prst="rect">
@@ -13732,7 +16883,7 @@
         </p:nvSpPr>
         <p:spPr>
           <a:xfrm>
-            <a:off x="1927695" y="1678462"/>
+            <a:off x="2808540" y="1678462"/>
             <a:ext cx="364202" cy="307777"/>
           </a:xfrm>
           <a:prstGeom prst="rect">
@@ -13770,7 +16921,7 @@
         </p:nvSpPr>
         <p:spPr>
           <a:xfrm>
-            <a:off x="6528016" y="2138295"/>
+            <a:off x="6450906" y="2194151"/>
             <a:ext cx="364202" cy="307777"/>
           </a:xfrm>
           <a:prstGeom prst="rect">
@@ -13808,7 +16959,7 @@
         </p:nvSpPr>
         <p:spPr>
           <a:xfrm>
-            <a:off x="7309926" y="2138295"/>
+            <a:off x="7232816" y="2194151"/>
             <a:ext cx="364202" cy="307777"/>
           </a:xfrm>
           <a:prstGeom prst="rect">
@@ -13846,7 +16997,7 @@
         </p:nvSpPr>
         <p:spPr>
           <a:xfrm>
-            <a:off x="5877029" y="2148819"/>
+            <a:off x="5798351" y="2194469"/>
             <a:ext cx="364202" cy="307777"/>
           </a:xfrm>
           <a:prstGeom prst="rect">
@@ -14129,6 +17280,52 @@
               <a:t>관리자</a:t>
             </a:r>
             <a:endParaRPr lang="en-US" altLang="ko-KR" sz="900" dirty="0"/>
+          </a:p>
+        </p:txBody>
+      </p:sp>
+      <p:sp>
+        <p:nvSpPr>
+          <p:cNvPr id="22" name="TextBox 21">
+            <a:extLst>
+              <a:ext uri="{FF2B5EF4-FFF2-40B4-BE49-F238E27FC236}">
+                <a16:creationId xmlns:a16="http://schemas.microsoft.com/office/drawing/2014/main" id="{64DCFE9F-1976-4A07-8D41-B2D1BF72D40C}"/>
+              </a:ext>
+            </a:extLst>
+          </p:cNvPr>
+          <p:cNvSpPr txBox="1"/>
+          <p:nvPr/>
+        </p:nvSpPr>
+        <p:spPr>
+          <a:xfrm>
+            <a:off x="7736234" y="572696"/>
+            <a:ext cx="1461387" cy="369332"/>
+          </a:xfrm>
+          <a:prstGeom prst="rect">
+            <a:avLst/>
+          </a:prstGeom>
+          <a:solidFill>
+            <a:schemeClr val="bg1"/>
+          </a:solidFill>
+          <a:ln>
+            <a:solidFill>
+              <a:srgbClr val="FF0000"/>
+            </a:solidFill>
+          </a:ln>
+        </p:spPr>
+        <p:txBody>
+          <a:bodyPr wrap="square" rtlCol="0">
+            <a:spAutoFit/>
+          </a:bodyPr>
+          <a:lstStyle/>
+          <a:p>
+            <a:r>
+              <a:rPr lang="ko-KR" altLang="en-US" dirty="0">
+                <a:solidFill>
+                  <a:srgbClr val="FF0000"/>
+                </a:solidFill>
+              </a:rPr>
+              <a:t>관리자 화면</a:t>
+            </a:r>
           </a:p>
         </p:txBody>
       </p:sp>
@@ -14868,19 +18065,35 @@
             </a:pPr>
             <a:r>
               <a:rPr lang="ko-KR" altLang="en-US" sz="900" dirty="0"/>
-              <a:t>텍스트 </a:t>
+              <a:t>입력된 값들과 </a:t>
             </a:r>
             <a:r>
               <a:rPr lang="ko-KR" altLang="en-US" sz="900" dirty="0" err="1"/>
-              <a:t>박스과</a:t>
+              <a:t>정규식</a:t>
+            </a:r>
+            <a:r>
+              <a:rPr lang="en-US" altLang="ko-KR" sz="900" dirty="0"/>
+              <a:t> (</a:t>
             </a:r>
             <a:r>
               <a:rPr lang="ko-KR" altLang="en-US" sz="900" dirty="0"/>
-              <a:t> 정규식을 비교하고 </a:t>
+              <a:t>회원가입시 사용했 던 </a:t>
+            </a:r>
+            <a:r>
+              <a:rPr lang="ko-KR" altLang="en-US" sz="900" dirty="0" err="1"/>
+              <a:t>정규식</a:t>
+            </a:r>
+            <a:r>
+              <a:rPr lang="en-US" altLang="ko-KR" sz="900" dirty="0"/>
+              <a:t>)</a:t>
+            </a:r>
+            <a:r>
+              <a:rPr lang="ko-KR" altLang="en-US" sz="900" dirty="0"/>
+              <a:t> 을 비교해서 </a:t>
             </a:r>
             <a:r>
               <a:rPr lang="en-US" altLang="ko-KR" sz="900" dirty="0" err="1"/>
-              <a:t>employeeID</a:t>
+              <a:t>EmployeeID</a:t>
             </a:r>
             <a:r>
               <a:rPr lang="ko-KR" altLang="en-US" sz="900" dirty="0"/>
@@ -14934,6 +18147,52 @@
             <a:r>
               <a:rPr lang="en-US" altLang="ko-KR" sz="900" dirty="0"/>
               <a:t>.</a:t>
+            </a:r>
+          </a:p>
+        </p:txBody>
+      </p:sp>
+      <p:sp>
+        <p:nvSpPr>
+          <p:cNvPr id="17" name="TextBox 16">
+            <a:extLst>
+              <a:ext uri="{FF2B5EF4-FFF2-40B4-BE49-F238E27FC236}">
+                <a16:creationId xmlns:a16="http://schemas.microsoft.com/office/drawing/2014/main" id="{D7AB948A-7788-49AC-BD05-2E38270A0E68}"/>
+              </a:ext>
+            </a:extLst>
+          </p:cNvPr>
+          <p:cNvSpPr txBox="1"/>
+          <p:nvPr/>
+        </p:nvSpPr>
+        <p:spPr>
+          <a:xfrm>
+            <a:off x="7736234" y="572696"/>
+            <a:ext cx="1461387" cy="369332"/>
+          </a:xfrm>
+          <a:prstGeom prst="rect">
+            <a:avLst/>
+          </a:prstGeom>
+          <a:solidFill>
+            <a:schemeClr val="bg1"/>
+          </a:solidFill>
+          <a:ln>
+            <a:solidFill>
+              <a:srgbClr val="FF0000"/>
+            </a:solidFill>
+          </a:ln>
+        </p:spPr>
+        <p:txBody>
+          <a:bodyPr wrap="square" rtlCol="0">
+            <a:spAutoFit/>
+          </a:bodyPr>
+          <a:lstStyle/>
+          <a:p>
+            <a:r>
+              <a:rPr lang="ko-KR" altLang="en-US" dirty="0">
+                <a:solidFill>
+                  <a:srgbClr val="FF0000"/>
+                </a:solidFill>
+              </a:rPr>
+              <a:t>관리자 화면</a:t>
             </a:r>
           </a:p>
         </p:txBody>
